--- a/doc/Präsentation/Abschlussprasentation.pptx
+++ b/doc/Präsentation/Abschlussprasentation.pptx
@@ -5,19 +5,18 @@
     <p:sldMasterId id="2147483729" r:id="rId1"/>
   </p:sldMasterIdLst>
   <p:notesMasterIdLst>
-    <p:notesMasterId r:id="rId9"/>
+    <p:notesMasterId r:id="rId8"/>
   </p:notesMasterIdLst>
   <p:handoutMasterIdLst>
-    <p:handoutMasterId r:id="rId10"/>
+    <p:handoutMasterId r:id="rId9"/>
   </p:handoutMasterIdLst>
   <p:sldIdLst>
     <p:sldId id="262" r:id="rId2"/>
     <p:sldId id="263" r:id="rId3"/>
-    <p:sldId id="257" r:id="rId4"/>
-    <p:sldId id="258" r:id="rId5"/>
-    <p:sldId id="259" r:id="rId6"/>
-    <p:sldId id="260" r:id="rId7"/>
-    <p:sldId id="261" r:id="rId8"/>
+    <p:sldId id="264" r:id="rId4"/>
+    <p:sldId id="265" r:id="rId5"/>
+    <p:sldId id="266" r:id="rId6"/>
+    <p:sldId id="267" r:id="rId7"/>
   </p:sldIdLst>
   <p:sldSz cx="9144000" cy="6858000" type="screen4x3"/>
   <p:notesSz cx="7104063" cy="10234613"/>
@@ -1108,332 +1107,6 @@
 </p:notes>
 </file>
 
-<file path=ppt/notesSlides/notesSlide2.xml><?xml version="1.0" encoding="utf-8"?>
-<p:notes xmlns:a="http://schemas.openxmlformats.org/drawingml/2006/main" xmlns:r="http://schemas.openxmlformats.org/officeDocument/2006/relationships" xmlns:p="http://schemas.openxmlformats.org/presentationml/2006/main">
-  <p:cSld>
-    <p:spTree>
-      <p:nvGrpSpPr>
-        <p:cNvPr id="1" name=""/>
-        <p:cNvGrpSpPr/>
-        <p:nvPr/>
-      </p:nvGrpSpPr>
-      <p:grpSpPr>
-        <a:xfrm>
-          <a:off x="0" y="0"/>
-          <a:ext cx="0" cy="0"/>
-          <a:chOff x="0" y="0"/>
-          <a:chExt cx="0" cy="0"/>
-        </a:xfrm>
-      </p:grpSpPr>
-      <p:sp>
-        <p:nvSpPr>
-          <p:cNvPr id="10242" name="Rectangle 7"/>
-          <p:cNvSpPr>
-            <a:spLocks noGrp="1" noChangeArrowheads="1"/>
-          </p:cNvSpPr>
-          <p:nvPr>
-            <p:ph type="sldNum" sz="quarter" idx="5"/>
-          </p:nvPr>
-        </p:nvSpPr>
-        <p:spPr bwMode="auto">
-          <a:ln>
-            <a:miter lim="800000"/>
-            <a:headEnd/>
-            <a:tailEnd/>
-          </a:ln>
-        </p:spPr>
-        <p:txBody>
-          <a:bodyPr wrap="square" numCol="1" anchorCtr="0" compatLnSpc="1">
-            <a:prstTxWarp prst="textNoShape">
-              <a:avLst/>
-            </a:prstTxWarp>
-          </a:bodyPr>
-          <a:lstStyle/>
-          <a:p>
-            <a:pPr defTabSz="912813" fontAlgn="base">
-              <a:spcBef>
-                <a:spcPct val="0"/>
-              </a:spcBef>
-              <a:spcAft>
-                <a:spcPct val="0"/>
-              </a:spcAft>
-              <a:defRPr/>
-            </a:pPr>
-            <a:fld id="{1CD6FD4F-51A4-466E-905A-65C5C2AF801C}" type="slidenum">
-              <a:rPr lang="de-DE" smtClean="0"/>
-              <a:pPr defTabSz="912813" fontAlgn="base">
-                <a:spcBef>
-                  <a:spcPct val="0"/>
-                </a:spcBef>
-                <a:spcAft>
-                  <a:spcPct val="0"/>
-                </a:spcAft>
-                <a:defRPr/>
-              </a:pPr>
-              <a:t>3</a:t>
-            </a:fld>
-            <a:endParaRPr lang="de-DE"/>
-          </a:p>
-        </p:txBody>
-      </p:sp>
-      <p:sp>
-        <p:nvSpPr>
-          <p:cNvPr id="10243" name="Rectangle 2"/>
-          <p:cNvSpPr>
-            <a:spLocks noGrp="1" noRot="1" noChangeAspect="1" noChangeArrowheads="1" noTextEdit="1"/>
-          </p:cNvSpPr>
-          <p:nvPr>
-            <p:ph type="sldImg"/>
-          </p:nvPr>
-        </p:nvSpPr>
-        <p:spPr bwMode="auto">
-          <a:noFill/>
-          <a:ln>
-            <a:solidFill>
-              <a:srgbClr val="000000"/>
-            </a:solidFill>
-            <a:miter lim="800000"/>
-            <a:headEnd/>
-            <a:tailEnd/>
-          </a:ln>
-        </p:spPr>
-      </p:sp>
-      <p:sp>
-        <p:nvSpPr>
-          <p:cNvPr id="10244" name="Rectangle 3"/>
-          <p:cNvSpPr>
-            <a:spLocks noGrp="1" noChangeArrowheads="1"/>
-          </p:cNvSpPr>
-          <p:nvPr>
-            <p:ph type="body" idx="1"/>
-          </p:nvPr>
-        </p:nvSpPr>
-        <p:spPr bwMode="auto">
-          <a:noFill/>
-        </p:spPr>
-        <p:txBody>
-          <a:bodyPr wrap="square" numCol="1" anchor="t" anchorCtr="0" compatLnSpc="1">
-            <a:prstTxWarp prst="textNoShape">
-              <a:avLst/>
-            </a:prstTxWarp>
-          </a:bodyPr>
-          <a:lstStyle/>
-          <a:p>
-            <a:pPr marL="0" marR="0" lvl="0" indent="0" algn="l" defTabSz="914400" rtl="0" eaLnBrk="1" fontAlgn="base" latinLnBrk="0" hangingPunct="1">
-              <a:lnSpc>
-                <a:spcPct val="100000"/>
-              </a:lnSpc>
-              <a:spcBef>
-                <a:spcPct val="0"/>
-              </a:spcBef>
-              <a:spcAft>
-                <a:spcPct val="0"/>
-              </a:spcAft>
-              <a:buClrTx/>
-              <a:buSzTx/>
-              <a:buFontTx/>
-              <a:buNone/>
-              <a:tabLst/>
-              <a:defRPr/>
-            </a:pPr>
-            <a:r>
-              <a:rPr lang="en-DE" dirty="0"/>
-              <a:t>(5) </a:t>
-            </a:r>
-            <a:r>
-              <a:rPr lang="en-DE" dirty="0" err="1"/>
-              <a:t>begrenze</a:t>
-            </a:r>
-            <a:r>
-              <a:rPr lang="en-DE" dirty="0"/>
-              <a:t> </a:t>
-            </a:r>
-            <a:r>
-              <a:rPr lang="en-DE" dirty="0" err="1"/>
-              <a:t>imdb</a:t>
-            </a:r>
-            <a:r>
-              <a:rPr lang="en-DE" dirty="0"/>
-              <a:t> </a:t>
-            </a:r>
-            <a:r>
-              <a:rPr lang="en-DE" dirty="0" err="1"/>
-              <a:t>anbindung</a:t>
-            </a:r>
-            <a:r>
-              <a:rPr lang="en-DE" dirty="0"/>
-              <a:t> -&gt; </a:t>
-            </a:r>
-            <a:r>
-              <a:rPr lang="en-DE" dirty="0" err="1"/>
-              <a:t>folgepunkt</a:t>
-            </a:r>
-            <a:r>
-              <a:rPr lang="en-DE" dirty="0"/>
-              <a:t> </a:t>
-            </a:r>
-            <a:r>
-              <a:rPr lang="en-DE" dirty="0" err="1"/>
-              <a:t>zu</a:t>
-            </a:r>
-            <a:r>
-              <a:rPr lang="en-DE" dirty="0"/>
-              <a:t> (2)</a:t>
-            </a:r>
-          </a:p>
-          <a:p>
-            <a:pPr marL="0" marR="0" lvl="0" indent="0" algn="l" defTabSz="914400" rtl="0" eaLnBrk="1" fontAlgn="base" latinLnBrk="0" hangingPunct="1">
-              <a:lnSpc>
-                <a:spcPct val="100000"/>
-              </a:lnSpc>
-              <a:spcBef>
-                <a:spcPct val="0"/>
-              </a:spcBef>
-              <a:spcAft>
-                <a:spcPct val="0"/>
-              </a:spcAft>
-              <a:buClrTx/>
-              <a:buSzTx/>
-              <a:buFontTx/>
-              <a:buNone/>
-              <a:tabLst/>
-              <a:defRPr/>
-            </a:pPr>
-            <a:r>
-              <a:rPr lang="en-DE" dirty="0"/>
-              <a:t>(6) </a:t>
-            </a:r>
-            <a:r>
-              <a:rPr lang="de-DE" dirty="0"/>
-              <a:t>T</a:t>
-            </a:r>
-            <a:r>
-              <a:rPr lang="en-DE" dirty="0" err="1"/>
-              <a:t>eilweiße</a:t>
-            </a:r>
-            <a:r>
-              <a:rPr lang="en-DE" dirty="0"/>
-              <a:t> </a:t>
-            </a:r>
-            <a:r>
-              <a:rPr lang="en-DE" dirty="0" err="1"/>
-              <a:t>umgesetzt</a:t>
-            </a:r>
-            <a:r>
-              <a:rPr lang="en-DE" dirty="0"/>
-              <a:t> / </a:t>
-            </a:r>
-            <a:r>
-              <a:rPr lang="en-DE" dirty="0" err="1"/>
-              <a:t>umsetzung</a:t>
-            </a:r>
-            <a:r>
-              <a:rPr lang="en-DE" dirty="0"/>
-              <a:t> </a:t>
-            </a:r>
-            <a:r>
-              <a:rPr lang="en-DE" dirty="0" err="1"/>
-              <a:t>wäre</a:t>
-            </a:r>
-            <a:r>
-              <a:rPr lang="en-DE" dirty="0"/>
-              <a:t> </a:t>
-            </a:r>
-            <a:r>
-              <a:rPr lang="en-DE" dirty="0" err="1"/>
-              <a:t>möglich</a:t>
-            </a:r>
-            <a:r>
-              <a:rPr lang="en-DE" dirty="0"/>
-              <a:t> </a:t>
-            </a:r>
-            <a:r>
-              <a:rPr lang="en-DE" dirty="0" err="1"/>
-              <a:t>gewesen</a:t>
-            </a:r>
-            <a:endParaRPr lang="en-DE" dirty="0"/>
-          </a:p>
-          <a:p>
-            <a:pPr marL="0" marR="0" lvl="0" indent="0" algn="l" defTabSz="914400" rtl="0" eaLnBrk="1" fontAlgn="base" latinLnBrk="0" hangingPunct="1">
-              <a:lnSpc>
-                <a:spcPct val="100000"/>
-              </a:lnSpc>
-              <a:spcBef>
-                <a:spcPct val="0"/>
-              </a:spcBef>
-              <a:spcAft>
-                <a:spcPct val="0"/>
-              </a:spcAft>
-              <a:buClrTx/>
-              <a:buSzTx/>
-              <a:buFontTx/>
-              <a:buNone/>
-              <a:tabLst/>
-              <a:defRPr/>
-            </a:pPr>
-            <a:r>
-              <a:rPr lang="en-DE" dirty="0"/>
-              <a:t>(7) </a:t>
-            </a:r>
-            <a:r>
-              <a:rPr lang="en-DE" dirty="0" err="1"/>
-              <a:t>begrenze</a:t>
-            </a:r>
-            <a:r>
-              <a:rPr lang="en-DE" dirty="0"/>
-              <a:t> </a:t>
-            </a:r>
-            <a:r>
-              <a:rPr lang="en-DE" dirty="0" err="1"/>
-              <a:t>imdb</a:t>
-            </a:r>
-            <a:r>
-              <a:rPr lang="en-DE" dirty="0"/>
-              <a:t> </a:t>
-            </a:r>
-            <a:r>
-              <a:rPr lang="en-DE" dirty="0" err="1"/>
-              <a:t>anbindung</a:t>
-            </a:r>
-            <a:r>
-              <a:rPr lang="en-DE" dirty="0"/>
-              <a:t> (</a:t>
-            </a:r>
-            <a:r>
-              <a:rPr lang="en-DE" dirty="0" err="1"/>
-              <a:t>anzahl</a:t>
-            </a:r>
-            <a:r>
-              <a:rPr lang="en-DE" dirty="0"/>
-              <a:t> der </a:t>
-            </a:r>
-            <a:r>
-              <a:rPr lang="en-DE" dirty="0" err="1"/>
-              <a:t>abfragen</a:t>
-            </a:r>
-            <a:r>
-              <a:rPr lang="en-DE" dirty="0"/>
-              <a:t>)</a:t>
-            </a:r>
-          </a:p>
-          <a:p>
-            <a:pPr eaLnBrk="1" hangingPunct="1">
-              <a:spcBef>
-                <a:spcPct val="0"/>
-              </a:spcBef>
-            </a:pPr>
-            <a:endParaRPr lang="de-DE" dirty="0"/>
-          </a:p>
-        </p:txBody>
-      </p:sp>
-    </p:spTree>
-  </p:cSld>
-  <p:clrMapOvr>
-    <a:masterClrMapping/>
-  </p:clrMapOvr>
-</p:notes>
-</file>
-
 <file path=ppt/slideLayouts/slideLayout1.xml><?xml version="1.0" encoding="utf-8"?>
 <p:sldLayout xmlns:a="http://schemas.openxmlformats.org/drawingml/2006/main" xmlns:r="http://schemas.openxmlformats.org/officeDocument/2006/relationships" xmlns:p="http://schemas.openxmlformats.org/presentationml/2006/main" showMasterSp="0" type="title">
   <p:cSld name="Titelfolie Variante 2">
@@ -2892,11 +2565,8 @@
           </a:lstStyle>
           <a:p>
             <a:r>
-              <a:rPr lang="de-DE" b="0" i="0" dirty="0" err="1">
-                <a:effectLst/>
-                <a:latin typeface="Arial" panose="020B0604020202020204" pitchFamily="34" charset="0"/>
-              </a:rPr>
-              <a:t>Graphvio</a:t>
+              <a:rPr lang="de-DE" dirty="0"/>
+              <a:t>Explosion Guy</a:t>
             </a:r>
             <a:endParaRPr lang="de-DE" dirty="0">
               <a:solidFill>
@@ -2939,8 +2609,20 @@
           </a:lstStyle>
           <a:p>
             <a:r>
+              <a:rPr lang="de-DE" dirty="0"/>
+              <a:t>05</a:t>
+            </a:r>
+            <a:r>
               <a:rPr lang="en-DE" dirty="0"/>
-              <a:t>17.01.2022</a:t>
+              <a:t>.0</a:t>
+            </a:r>
+            <a:r>
+              <a:rPr lang="de-DE" dirty="0"/>
+              <a:t>7</a:t>
+            </a:r>
+            <a:r>
+              <a:rPr lang="en-DE" dirty="0"/>
+              <a:t>.2022</a:t>
             </a:r>
             <a:endParaRPr lang="en-GB" dirty="0">
               <a:solidFill>
@@ -3063,6 +2745,188 @@
             <a:r>
               <a:rPr lang="de-DE" dirty="0"/>
               <a:t>Fünfte Ebene</a:t>
+            </a:r>
+          </a:p>
+        </p:txBody>
+      </p:sp>
+      <p:sp>
+        <p:nvSpPr>
+          <p:cNvPr id="7" name="Datumsplatzhalter 14">
+            <a:extLst>
+              <a:ext uri="{FF2B5EF4-FFF2-40B4-BE49-F238E27FC236}">
+                <a16:creationId xmlns:a16="http://schemas.microsoft.com/office/drawing/2014/main" id="{E5A9C366-310D-4454-A21A-610187CB9A47}"/>
+              </a:ext>
+            </a:extLst>
+          </p:cNvPr>
+          <p:cNvSpPr txBox="1">
+            <a:spLocks/>
+          </p:cNvSpPr>
+          <p:nvPr userDrawn="1"/>
+        </p:nvSpPr>
+        <p:spPr>
+          <a:xfrm>
+            <a:off x="3347864" y="6513414"/>
+            <a:ext cx="3672408" cy="166827"/>
+          </a:xfrm>
+          <a:prstGeom prst="rect">
+            <a:avLst/>
+          </a:prstGeom>
+        </p:spPr>
+        <p:txBody>
+          <a:bodyPr vert="horz" wrap="none" lIns="91440" tIns="45720" rIns="91440" bIns="45720" rtlCol="0" anchor="ctr"/>
+          <a:lstStyle>
+            <a:defPPr>
+              <a:defRPr lang="de-DE"/>
+            </a:defPPr>
+            <a:lvl1pPr algn="l" rtl="0" fontAlgn="base">
+              <a:spcBef>
+                <a:spcPct val="0"/>
+              </a:spcBef>
+              <a:spcAft>
+                <a:spcPct val="0"/>
+              </a:spcAft>
+              <a:defRPr sz="900" b="0" kern="1200">
+                <a:solidFill>
+                  <a:schemeClr val="bg1"/>
+                </a:solidFill>
+                <a:latin typeface="+mn-lt"/>
+                <a:ea typeface="+mn-ea"/>
+                <a:cs typeface="+mn-cs"/>
+              </a:defRPr>
+            </a:lvl1pPr>
+            <a:lvl2pPr marL="457200" algn="l" rtl="0" fontAlgn="base">
+              <a:spcBef>
+                <a:spcPct val="0"/>
+              </a:spcBef>
+              <a:spcAft>
+                <a:spcPct val="0"/>
+              </a:spcAft>
+              <a:defRPr kern="1200">
+                <a:solidFill>
+                  <a:schemeClr val="tx1"/>
+                </a:solidFill>
+                <a:latin typeface="Arial" charset="0"/>
+                <a:ea typeface="+mn-ea"/>
+                <a:cs typeface="+mn-cs"/>
+              </a:defRPr>
+            </a:lvl2pPr>
+            <a:lvl3pPr marL="914400" algn="l" rtl="0" fontAlgn="base">
+              <a:spcBef>
+                <a:spcPct val="0"/>
+              </a:spcBef>
+              <a:spcAft>
+                <a:spcPct val="0"/>
+              </a:spcAft>
+              <a:defRPr kern="1200">
+                <a:solidFill>
+                  <a:schemeClr val="tx1"/>
+                </a:solidFill>
+                <a:latin typeface="Arial" charset="0"/>
+                <a:ea typeface="+mn-ea"/>
+                <a:cs typeface="+mn-cs"/>
+              </a:defRPr>
+            </a:lvl3pPr>
+            <a:lvl4pPr marL="1371600" algn="l" rtl="0" fontAlgn="base">
+              <a:spcBef>
+                <a:spcPct val="0"/>
+              </a:spcBef>
+              <a:spcAft>
+                <a:spcPct val="0"/>
+              </a:spcAft>
+              <a:defRPr kern="1200">
+                <a:solidFill>
+                  <a:schemeClr val="tx1"/>
+                </a:solidFill>
+                <a:latin typeface="Arial" charset="0"/>
+                <a:ea typeface="+mn-ea"/>
+                <a:cs typeface="+mn-cs"/>
+              </a:defRPr>
+            </a:lvl4pPr>
+            <a:lvl5pPr marL="1828800" algn="l" rtl="0" fontAlgn="base">
+              <a:spcBef>
+                <a:spcPct val="0"/>
+              </a:spcBef>
+              <a:spcAft>
+                <a:spcPct val="0"/>
+              </a:spcAft>
+              <a:defRPr kern="1200">
+                <a:solidFill>
+                  <a:schemeClr val="tx1"/>
+                </a:solidFill>
+                <a:latin typeface="Arial" charset="0"/>
+                <a:ea typeface="+mn-ea"/>
+                <a:cs typeface="+mn-cs"/>
+              </a:defRPr>
+            </a:lvl5pPr>
+            <a:lvl6pPr marL="2286000" algn="l" defTabSz="914400" rtl="0" eaLnBrk="1" latinLnBrk="0" hangingPunct="1">
+              <a:defRPr kern="1200">
+                <a:solidFill>
+                  <a:schemeClr val="tx1"/>
+                </a:solidFill>
+                <a:latin typeface="Arial" charset="0"/>
+                <a:ea typeface="+mn-ea"/>
+                <a:cs typeface="+mn-cs"/>
+              </a:defRPr>
+            </a:lvl6pPr>
+            <a:lvl7pPr marL="2743200" algn="l" defTabSz="914400" rtl="0" eaLnBrk="1" latinLnBrk="0" hangingPunct="1">
+              <a:defRPr kern="1200">
+                <a:solidFill>
+                  <a:schemeClr val="tx1"/>
+                </a:solidFill>
+                <a:latin typeface="Arial" charset="0"/>
+                <a:ea typeface="+mn-ea"/>
+                <a:cs typeface="+mn-cs"/>
+              </a:defRPr>
+            </a:lvl7pPr>
+            <a:lvl8pPr marL="3200400" algn="l" defTabSz="914400" rtl="0" eaLnBrk="1" latinLnBrk="0" hangingPunct="1">
+              <a:defRPr kern="1200">
+                <a:solidFill>
+                  <a:schemeClr val="tx1"/>
+                </a:solidFill>
+                <a:latin typeface="Arial" charset="0"/>
+                <a:ea typeface="+mn-ea"/>
+                <a:cs typeface="+mn-cs"/>
+              </a:defRPr>
+            </a:lvl8pPr>
+            <a:lvl9pPr marL="3657600" algn="l" defTabSz="914400" rtl="0" eaLnBrk="1" latinLnBrk="0" hangingPunct="1">
+              <a:defRPr kern="1200">
+                <a:solidFill>
+                  <a:schemeClr val="tx1"/>
+                </a:solidFill>
+                <a:latin typeface="Arial" charset="0"/>
+                <a:ea typeface="+mn-ea"/>
+                <a:cs typeface="+mn-cs"/>
+              </a:defRPr>
+            </a:lvl9pPr>
+          </a:lstStyle>
+          <a:p>
+            <a:r>
+              <a:rPr lang="en-GB" dirty="0"/>
+              <a:t>Kohl, </a:t>
+            </a:r>
+            <a:r>
+              <a:rPr lang="en-GB" dirty="0" err="1"/>
+              <a:t>Korinth</a:t>
+            </a:r>
+            <a:r>
+              <a:rPr lang="en-GB" dirty="0"/>
+              <a:t>, </a:t>
+            </a:r>
+            <a:r>
+              <a:rPr lang="en-GB" dirty="0" err="1"/>
+              <a:t>Chernysheva</a:t>
+            </a:r>
+            <a:r>
+              <a:rPr lang="en-GB" dirty="0"/>
+              <a:t>, </a:t>
+            </a:r>
+            <a:r>
+              <a:rPr lang="en-GB" dirty="0" err="1"/>
+              <a:t>Bösl</a:t>
+            </a:r>
+            <a:r>
+              <a:rPr lang="en-GB" dirty="0"/>
+              <a:t>, Porsch</a:t>
             </a:r>
           </a:p>
         </p:txBody>
@@ -5123,7 +4987,10 @@
           <a:bodyPr/>
           <a:lstStyle/>
           <a:p>
-            <a:endParaRPr lang="de-DE"/>
+            <a:r>
+              <a:rPr lang="de-DE" dirty="0"/>
+              <a:t>Projekt im Fach BDCC</a:t>
+            </a:r>
           </a:p>
         </p:txBody>
       </p:sp>
@@ -5148,7 +5015,10 @@
           <a:bodyPr/>
           <a:lstStyle/>
           <a:p>
-            <a:endParaRPr lang="de-DE"/>
+            <a:r>
+              <a:rPr lang="de-DE" dirty="0"/>
+              <a:t>Explosion Guy</a:t>
+            </a:r>
           </a:p>
         </p:txBody>
       </p:sp>
@@ -5614,38 +5484,10 @@
       </p:grpSpPr>
       <p:sp>
         <p:nvSpPr>
-          <p:cNvPr id="4098" name="Rectangle 12"/>
-          <p:cNvSpPr>
-            <a:spLocks noGrp="1" noChangeArrowheads="1"/>
-          </p:cNvSpPr>
-          <p:nvPr>
-            <p:ph type="title"/>
-          </p:nvPr>
-        </p:nvSpPr>
-        <p:spPr>
-          <a:xfrm>
-            <a:off x="211139" y="153988"/>
-            <a:ext cx="6377086" cy="826740"/>
-          </a:xfrm>
-        </p:spPr>
-        <p:txBody>
-          <a:bodyPr/>
-          <a:lstStyle/>
-          <a:p>
-            <a:r>
-              <a:rPr lang="en-DE" dirty="0" err="1"/>
-              <a:t>Ziele</a:t>
-            </a:r>
-            <a:endParaRPr lang="de-DE" dirty="0"/>
-          </a:p>
-        </p:txBody>
-      </p:sp>
-      <p:sp>
-        <p:nvSpPr>
-          <p:cNvPr id="2" name="Datumsplatzhalter 1">
+          <p:cNvPr id="8" name="Titel 7">
             <a:extLst>
               <a:ext uri="{FF2B5EF4-FFF2-40B4-BE49-F238E27FC236}">
-                <a16:creationId xmlns:a16="http://schemas.microsoft.com/office/drawing/2014/main" id="{79C090D4-A84F-4983-9EFE-93A773A87C12}"/>
+                <a16:creationId xmlns:a16="http://schemas.microsoft.com/office/drawing/2014/main" id="{7A02966D-AD09-4A8F-AA72-2CCA2300BE81}"/>
               </a:ext>
             </a:extLst>
           </p:cNvPr>
@@ -5653,7 +5495,7 @@
             <a:spLocks noGrp="1"/>
           </p:cNvSpPr>
           <p:nvPr>
-            <p:ph type="dt" sz="half" idx="2"/>
+            <p:ph type="title"/>
           </p:nvPr>
         </p:nvSpPr>
         <p:spPr/>
@@ -5662,59 +5504,18 @@
           <a:lstStyle/>
           <a:p>
             <a:r>
-              <a:rPr lang="en-DE" dirty="0"/>
-              <a:t>17.01.2022</a:t>
-            </a:r>
-            <a:endParaRPr lang="en-GB" dirty="0">
-              <a:solidFill>
-                <a:schemeClr val="bg1"/>
-              </a:solidFill>
-            </a:endParaRPr>
-          </a:p>
-        </p:txBody>
-      </p:sp>
-      <p:sp>
-        <p:nvSpPr>
-          <p:cNvPr id="3" name="Fußzeilenplatzhalter 2">
+              <a:rPr lang="de-DE" dirty="0"/>
+              <a:t>Architekturüberblick</a:t>
+            </a:r>
+          </a:p>
+        </p:txBody>
+      </p:sp>
+      <p:sp>
+        <p:nvSpPr>
+          <p:cNvPr id="5" name="Foliennummernplatzhalter 4">
             <a:extLst>
               <a:ext uri="{FF2B5EF4-FFF2-40B4-BE49-F238E27FC236}">
-                <a16:creationId xmlns:a16="http://schemas.microsoft.com/office/drawing/2014/main" id="{30715B5C-B3E7-4856-B802-99E4F1F0706B}"/>
-              </a:ext>
-            </a:extLst>
-          </p:cNvPr>
-          <p:cNvSpPr>
-            <a:spLocks noGrp="1"/>
-          </p:cNvSpPr>
-          <p:nvPr>
-            <p:ph type="ftr" sz="quarter" idx="3"/>
-          </p:nvPr>
-        </p:nvSpPr>
-        <p:spPr/>
-        <p:txBody>
-          <a:bodyPr/>
-          <a:lstStyle/>
-          <a:p>
-            <a:r>
-              <a:rPr lang="de-DE" b="0" i="0" dirty="0" err="1">
-                <a:effectLst/>
-                <a:latin typeface="Arial" panose="020B0604020202020204" pitchFamily="34" charset="0"/>
-              </a:rPr>
-              <a:t>Graphvio</a:t>
-            </a:r>
-            <a:endParaRPr lang="de-DE" dirty="0">
-              <a:solidFill>
-                <a:schemeClr val="bg1"/>
-              </a:solidFill>
-            </a:endParaRPr>
-          </a:p>
-        </p:txBody>
-      </p:sp>
-      <p:sp>
-        <p:nvSpPr>
-          <p:cNvPr id="4" name="Foliennummernplatzhalter 3">
-            <a:extLst>
-              <a:ext uri="{FF2B5EF4-FFF2-40B4-BE49-F238E27FC236}">
-                <a16:creationId xmlns:a16="http://schemas.microsoft.com/office/drawing/2014/main" id="{1F810409-4934-45DF-BFA1-A159DB7ACDA8}"/>
+                <a16:creationId xmlns:a16="http://schemas.microsoft.com/office/drawing/2014/main" id="{4E5D8B4A-FC59-409C-92E1-219C25B91518}"/>
               </a:ext>
             </a:extLst>
           </p:cNvPr>
@@ -5742,644 +5543,107 @@
       </p:sp>
       <p:sp>
         <p:nvSpPr>
-          <p:cNvPr id="8" name="Textfeld 7">
+          <p:cNvPr id="6" name="Fußzeilenplatzhalter 5">
             <a:extLst>
               <a:ext uri="{FF2B5EF4-FFF2-40B4-BE49-F238E27FC236}">
-                <a16:creationId xmlns:a16="http://schemas.microsoft.com/office/drawing/2014/main" id="{BBCA1703-8BF6-4C18-8857-287D51B33B72}"/>
+                <a16:creationId xmlns:a16="http://schemas.microsoft.com/office/drawing/2014/main" id="{F80D0AC1-900F-48E2-B1CC-C39AB4F7C726}"/>
               </a:ext>
             </a:extLst>
           </p:cNvPr>
-          <p:cNvSpPr txBox="1"/>
-          <p:nvPr/>
-        </p:nvSpPr>
-        <p:spPr>
-          <a:xfrm>
-            <a:off x="251520" y="1412776"/>
-            <a:ext cx="8784976" cy="646331"/>
-          </a:xfrm>
-          <a:prstGeom prst="rect">
-            <a:avLst/>
-          </a:prstGeom>
-          <a:noFill/>
-        </p:spPr>
-        <p:txBody>
-          <a:bodyPr wrap="square">
-            <a:spAutoFit/>
-          </a:bodyPr>
+          <p:cNvSpPr>
+            <a:spLocks noGrp="1"/>
+          </p:cNvSpPr>
+          <p:nvPr>
+            <p:ph type="ftr" sz="quarter" idx="3"/>
+          </p:nvPr>
+        </p:nvSpPr>
+        <p:spPr/>
+        <p:txBody>
+          <a:bodyPr/>
           <a:lstStyle/>
           <a:p>
             <a:r>
-              <a:rPr lang="de-DE" b="0" i="0" dirty="0">
-                <a:effectLst/>
-                <a:latin typeface="Arial" panose="020B0604020202020204" pitchFamily="34" charset="0"/>
-              </a:rPr>
-              <a:t>Ziel des </a:t>
-            </a:r>
-            <a:r>
-              <a:rPr lang="en-DE" b="0" i="0" dirty="0" err="1">
-                <a:effectLst/>
-                <a:latin typeface="Arial" panose="020B0604020202020204" pitchFamily="34" charset="0"/>
-              </a:rPr>
-              <a:t>Projekts</a:t>
-            </a:r>
-            <a:r>
-              <a:rPr lang="de-DE" b="0" i="0" dirty="0">
-                <a:effectLst/>
-                <a:latin typeface="Arial" panose="020B0604020202020204" pitchFamily="34" charset="0"/>
-              </a:rPr>
-              <a:t> ist es, Filmdatenbanken durchsuchbar zu machen, um Informationen </a:t>
-            </a:r>
-            <a:r>
-              <a:rPr lang="en-DE" b="0" i="0" dirty="0">
-                <a:effectLst/>
-                <a:latin typeface="Arial" panose="020B0604020202020204" pitchFamily="34" charset="0"/>
-              </a:rPr>
-              <a:t>ü</a:t>
-            </a:r>
-            <a:r>
-              <a:rPr lang="de-DE" b="0" i="0" dirty="0" err="1">
-                <a:effectLst/>
-                <a:latin typeface="Arial" panose="020B0604020202020204" pitchFamily="34" charset="0"/>
-              </a:rPr>
-              <a:t>ber</a:t>
-            </a:r>
-            <a:r>
-              <a:rPr lang="de-DE" b="0" i="0" dirty="0">
-                <a:effectLst/>
-                <a:latin typeface="Arial" panose="020B0604020202020204" pitchFamily="34" charset="0"/>
-              </a:rPr>
-              <a:t> Filme zu erhalte</a:t>
-            </a:r>
-            <a:r>
-              <a:rPr lang="en-DE" b="0" i="0" dirty="0">
-                <a:effectLst/>
-                <a:latin typeface="Arial" panose="020B0604020202020204" pitchFamily="34" charset="0"/>
-              </a:rPr>
-              <a:t>n.</a:t>
-            </a:r>
-            <a:endParaRPr lang="de-DE" dirty="0"/>
-          </a:p>
-        </p:txBody>
-      </p:sp>
-      <p:sp>
-        <p:nvSpPr>
-          <p:cNvPr id="13" name="Textfeld 12">
+              <a:rPr lang="de-DE"/>
+              <a:t>Explosion Guy</a:t>
+            </a:r>
+            <a:endParaRPr lang="de-DE" dirty="0">
+              <a:solidFill>
+                <a:schemeClr val="bg1"/>
+              </a:solidFill>
+            </a:endParaRPr>
+          </a:p>
+        </p:txBody>
+      </p:sp>
+      <p:sp>
+        <p:nvSpPr>
+          <p:cNvPr id="7" name="Datumsplatzhalter 6">
             <a:extLst>
               <a:ext uri="{FF2B5EF4-FFF2-40B4-BE49-F238E27FC236}">
-                <a16:creationId xmlns:a16="http://schemas.microsoft.com/office/drawing/2014/main" id="{35AF20D2-E922-47F2-9D81-FFCDCDB1561A}"/>
+                <a16:creationId xmlns:a16="http://schemas.microsoft.com/office/drawing/2014/main" id="{59DB7C92-4F84-4508-8783-195ABA2AB850}"/>
               </a:ext>
             </a:extLst>
           </p:cNvPr>
-          <p:cNvSpPr txBox="1"/>
-          <p:nvPr/>
-        </p:nvSpPr>
-        <p:spPr>
-          <a:xfrm>
-            <a:off x="755696" y="2559926"/>
-            <a:ext cx="2808312" cy="3139321"/>
-          </a:xfrm>
-          <a:prstGeom prst="rect">
-            <a:avLst/>
-          </a:prstGeom>
-          <a:noFill/>
-        </p:spPr>
-        <p:txBody>
-          <a:bodyPr wrap="square" rtlCol="0">
-            <a:spAutoFit/>
-          </a:bodyPr>
+          <p:cNvSpPr>
+            <a:spLocks noGrp="1"/>
+          </p:cNvSpPr>
+          <p:nvPr>
+            <p:ph type="dt" sz="half" idx="2"/>
+          </p:nvPr>
+        </p:nvSpPr>
+        <p:spPr/>
+        <p:txBody>
+          <a:bodyPr/>
           <a:lstStyle/>
           <a:p>
             <a:r>
-              <a:rPr lang="en-DE" dirty="0" err="1"/>
-              <a:t>Implementiert</a:t>
-            </a:r>
-            <a:r>
-              <a:rPr lang="en-DE" dirty="0"/>
-              <a:t>:</a:t>
-            </a:r>
-          </a:p>
-          <a:p>
-            <a:endParaRPr lang="en-DE" dirty="0"/>
-          </a:p>
-          <a:p>
-            <a:pPr marL="285750" indent="-285750">
-              <a:buFont typeface="Wingdings" panose="05000000000000000000" pitchFamily="2" charset="2"/>
-              <a:buChar char="ü"/>
-            </a:pPr>
-            <a:r>
-              <a:rPr lang="en-DE" dirty="0"/>
-              <a:t>(1) </a:t>
-            </a:r>
-            <a:r>
-              <a:rPr lang="en-DE" dirty="0" err="1"/>
-              <a:t>Filme</a:t>
-            </a:r>
-            <a:r>
-              <a:rPr lang="en-DE" dirty="0"/>
-              <a:t> </a:t>
-            </a:r>
-            <a:r>
-              <a:rPr lang="en-DE" dirty="0" err="1"/>
-              <a:t>anhand</a:t>
-            </a:r>
-            <a:r>
-              <a:rPr lang="en-DE" dirty="0"/>
-              <a:t> </a:t>
-            </a:r>
-            <a:r>
-              <a:rPr lang="en-DE" dirty="0" err="1"/>
-              <a:t>Metadaten</a:t>
-            </a:r>
-            <a:r>
-              <a:rPr lang="en-DE" dirty="0"/>
-              <a:t> </a:t>
-            </a:r>
-            <a:r>
-              <a:rPr lang="en-DE" dirty="0" err="1"/>
-              <a:t>suchen</a:t>
-            </a:r>
-            <a:endParaRPr lang="en-DE" dirty="0"/>
-          </a:p>
-          <a:p>
-            <a:pPr marL="285750" indent="-285750">
-              <a:buFont typeface="Wingdings" panose="05000000000000000000" pitchFamily="2" charset="2"/>
-              <a:buChar char="ü"/>
-            </a:pPr>
-            <a:r>
-              <a:rPr lang="en-DE" dirty="0"/>
-              <a:t>(3) </a:t>
-            </a:r>
-            <a:r>
-              <a:rPr lang="en-DE" dirty="0" err="1"/>
-              <a:t>Gemeinsamkeiten</a:t>
-            </a:r>
-            <a:r>
-              <a:rPr lang="en-DE" dirty="0"/>
-              <a:t> </a:t>
-            </a:r>
-            <a:r>
-              <a:rPr lang="en-DE" dirty="0" err="1"/>
-              <a:t>einer</a:t>
-            </a:r>
-            <a:r>
-              <a:rPr lang="en-DE" dirty="0"/>
-              <a:t> </a:t>
-            </a:r>
-            <a:r>
-              <a:rPr lang="en-DE" dirty="0" err="1"/>
-              <a:t>Filmliste</a:t>
-            </a:r>
-            <a:endParaRPr lang="en-DE" dirty="0"/>
-          </a:p>
-          <a:p>
-            <a:pPr marL="285750" indent="-285750">
-              <a:buFont typeface="Wingdings" panose="05000000000000000000" pitchFamily="2" charset="2"/>
-              <a:buChar char="ü"/>
-            </a:pPr>
-            <a:r>
-              <a:rPr lang="en-DE" dirty="0"/>
-              <a:t>(4) </a:t>
-            </a:r>
-            <a:r>
-              <a:rPr lang="en-DE" dirty="0" err="1"/>
-              <a:t>Filmvorschlag</a:t>
-            </a:r>
-            <a:r>
-              <a:rPr lang="en-DE" dirty="0"/>
-              <a:t> </a:t>
-            </a:r>
-            <a:r>
-              <a:rPr lang="en-DE" dirty="0" err="1"/>
-              <a:t>anhand</a:t>
-            </a:r>
-            <a:r>
-              <a:rPr lang="en-DE" dirty="0"/>
-              <a:t> </a:t>
-            </a:r>
-            <a:r>
-              <a:rPr lang="en-DE" dirty="0" err="1"/>
-              <a:t>Filmliste</a:t>
-            </a:r>
-            <a:endParaRPr lang="en-DE" dirty="0"/>
-          </a:p>
-          <a:p>
-            <a:pPr marL="285750" indent="-285750">
-              <a:buFont typeface="Wingdings" panose="05000000000000000000" pitchFamily="2" charset="2"/>
-              <a:buChar char="ü"/>
-            </a:pPr>
-            <a:r>
-              <a:rPr lang="en-DE" dirty="0"/>
-              <a:t>(2) (</a:t>
-            </a:r>
-            <a:r>
-              <a:rPr lang="en-DE" dirty="0" err="1"/>
-              <a:t>abgeändert</a:t>
-            </a:r>
-            <a:r>
-              <a:rPr lang="en-DE" dirty="0"/>
-              <a:t>) </a:t>
-            </a:r>
-            <a:r>
-              <a:rPr lang="en-DE" dirty="0" err="1"/>
-              <a:t>Personensuche</a:t>
-            </a:r>
-            <a:endParaRPr lang="en-DE" dirty="0"/>
-          </a:p>
-          <a:p>
-            <a:pPr marL="285750" indent="-285750">
-              <a:buFont typeface="Wingdings" panose="05000000000000000000" pitchFamily="2" charset="2"/>
-              <a:buChar char="ü"/>
-            </a:pPr>
-            <a:endParaRPr lang="de-DE" dirty="0"/>
-          </a:p>
-        </p:txBody>
-      </p:sp>
-      <p:sp>
-        <p:nvSpPr>
-          <p:cNvPr id="15" name="Textfeld 14">
+              <a:rPr lang="en-GB"/>
+              <a:t>05.07.2022</a:t>
+            </a:r>
+            <a:endParaRPr lang="en-GB" dirty="0"/>
+          </a:p>
+        </p:txBody>
+      </p:sp>
+      <p:pic>
+        <p:nvPicPr>
+          <p:cNvPr id="11" name="Inhaltsplatzhalter 10">
             <a:extLst>
               <a:ext uri="{FF2B5EF4-FFF2-40B4-BE49-F238E27FC236}">
-                <a16:creationId xmlns:a16="http://schemas.microsoft.com/office/drawing/2014/main" id="{86C0AE73-FC8B-47E1-914F-4A72966834D8}"/>
+                <a16:creationId xmlns:a16="http://schemas.microsoft.com/office/drawing/2014/main" id="{3724028B-079D-405E-8ADA-1F47DB10FFDB}"/>
               </a:ext>
             </a:extLst>
           </p:cNvPr>
-          <p:cNvSpPr txBox="1"/>
-          <p:nvPr/>
-        </p:nvSpPr>
+          <p:cNvPicPr>
+            <a:picLocks noGrp="1" noChangeAspect="1"/>
+          </p:cNvPicPr>
+          <p:nvPr>
+            <p:ph idx="11"/>
+          </p:nvPr>
+        </p:nvPicPr>
+        <p:blipFill>
+          <a:blip r:embed="rId2">
+            <a:extLst>
+              <a:ext uri="{28A0092B-C50C-407E-A947-70E740481C1C}">
+                <a14:useLocalDpi xmlns:a14="http://schemas.microsoft.com/office/drawing/2010/main" val="0"/>
+              </a:ext>
+            </a:extLst>
+          </a:blip>
+          <a:stretch>
+            <a:fillRect/>
+          </a:stretch>
+        </p:blipFill>
         <p:spPr>
           <a:xfrm>
-            <a:off x="4788024" y="2564904"/>
-            <a:ext cx="2808312" cy="2585323"/>
+            <a:off x="664944" y="682610"/>
+            <a:ext cx="6229936" cy="5506858"/>
           </a:xfrm>
-          <a:prstGeom prst="rect">
-            <a:avLst/>
-          </a:prstGeom>
-          <a:noFill/>
         </p:spPr>
-        <p:txBody>
-          <a:bodyPr wrap="square" rtlCol="0">
-            <a:spAutoFit/>
-          </a:bodyPr>
-          <a:lstStyle/>
-          <a:p>
-            <a:r>
-              <a:rPr lang="de-DE" dirty="0"/>
-              <a:t>A</a:t>
-            </a:r>
-            <a:r>
-              <a:rPr lang="en-DE" dirty="0" err="1"/>
-              <a:t>usstehend</a:t>
-            </a:r>
-            <a:r>
-              <a:rPr lang="en-DE" dirty="0"/>
-              <a:t>:</a:t>
-            </a:r>
-          </a:p>
-          <a:p>
-            <a:endParaRPr lang="en-DE" dirty="0"/>
-          </a:p>
-          <a:p>
-            <a:pPr marL="285750" indent="-285750">
-              <a:buFont typeface="Arial" panose="020B0604020202020204" pitchFamily="34" charset="0"/>
-              <a:buChar char="x"/>
-            </a:pPr>
-            <a:r>
-              <a:rPr lang="en-DE" dirty="0"/>
-              <a:t>(5) </a:t>
-            </a:r>
-            <a:r>
-              <a:rPr lang="en-DE" dirty="0" err="1"/>
-              <a:t>Filmsuche</a:t>
-            </a:r>
-            <a:r>
-              <a:rPr lang="en-DE" dirty="0"/>
-              <a:t> </a:t>
-            </a:r>
-            <a:r>
-              <a:rPr lang="en-DE" dirty="0" err="1"/>
-              <a:t>anhand</a:t>
-            </a:r>
-            <a:r>
-              <a:rPr lang="en-DE" dirty="0"/>
-              <a:t> </a:t>
-            </a:r>
-            <a:r>
-              <a:rPr lang="en-DE" dirty="0" err="1"/>
-              <a:t>Filmmitwirkender</a:t>
-            </a:r>
-            <a:r>
-              <a:rPr lang="en-DE" dirty="0"/>
-              <a:t> </a:t>
-            </a:r>
-          </a:p>
-          <a:p>
-            <a:pPr marL="285750" indent="-285750">
-              <a:buFont typeface="Arial" panose="020B0604020202020204" pitchFamily="34" charset="0"/>
-              <a:buChar char="x"/>
-            </a:pPr>
-            <a:r>
-              <a:rPr lang="en-DE" dirty="0"/>
-              <a:t>(6) </a:t>
-            </a:r>
-            <a:r>
-              <a:rPr lang="en-DE" dirty="0" err="1"/>
-              <a:t>Filme</a:t>
-            </a:r>
-            <a:r>
-              <a:rPr lang="en-DE" dirty="0"/>
-              <a:t> </a:t>
-            </a:r>
-            <a:r>
-              <a:rPr lang="en-DE" dirty="0" err="1"/>
-              <a:t>anhand</a:t>
-            </a:r>
-            <a:r>
-              <a:rPr lang="en-DE" dirty="0"/>
-              <a:t> </a:t>
-            </a:r>
-            <a:r>
-              <a:rPr lang="en-DE" dirty="0" err="1"/>
-              <a:t>Metadaten</a:t>
-            </a:r>
-            <a:r>
-              <a:rPr lang="en-DE" dirty="0"/>
-              <a:t> </a:t>
-            </a:r>
-            <a:r>
-              <a:rPr lang="en-DE" dirty="0" err="1"/>
-              <a:t>suchen</a:t>
-            </a:r>
-            <a:endParaRPr lang="en-DE" dirty="0"/>
-          </a:p>
-          <a:p>
-            <a:pPr marL="285750" indent="-285750">
-              <a:buFont typeface="Arial" panose="020B0604020202020204" pitchFamily="34" charset="0"/>
-              <a:buChar char="x"/>
-            </a:pPr>
-            <a:r>
-              <a:rPr lang="en-DE" dirty="0"/>
-              <a:t>(7) </a:t>
-            </a:r>
-            <a:r>
-              <a:rPr lang="en-DE" dirty="0" err="1"/>
-              <a:t>Sortieren</a:t>
-            </a:r>
-            <a:r>
-              <a:rPr lang="en-DE" dirty="0"/>
-              <a:t> der </a:t>
-            </a:r>
-            <a:r>
-              <a:rPr lang="en-DE" dirty="0" err="1"/>
-              <a:t>Ergebnisse</a:t>
-            </a:r>
-            <a:r>
-              <a:rPr lang="en-DE" dirty="0"/>
-              <a:t> </a:t>
-            </a:r>
-            <a:r>
-              <a:rPr lang="en-DE" dirty="0" err="1"/>
-              <a:t>anhand</a:t>
-            </a:r>
-            <a:r>
-              <a:rPr lang="en-DE" dirty="0"/>
-              <a:t> </a:t>
-            </a:r>
-            <a:r>
-              <a:rPr lang="en-DE" dirty="0" err="1"/>
-              <a:t>Kriterien</a:t>
-            </a:r>
-            <a:endParaRPr lang="de-DE" dirty="0"/>
-          </a:p>
-        </p:txBody>
-      </p:sp>
-      <p:sp>
-        <p:nvSpPr>
-          <p:cNvPr id="16" name="Textfeld 15">
-            <a:extLst>
-              <a:ext uri="{FF2B5EF4-FFF2-40B4-BE49-F238E27FC236}">
-                <a16:creationId xmlns:a16="http://schemas.microsoft.com/office/drawing/2014/main" id="{B788D932-5D19-4ED8-B319-9D5D11FB7FDE}"/>
-              </a:ext>
-            </a:extLst>
-          </p:cNvPr>
-          <p:cNvSpPr txBox="1"/>
-          <p:nvPr/>
-        </p:nvSpPr>
-        <p:spPr>
-          <a:xfrm>
-            <a:off x="251520" y="2222511"/>
-            <a:ext cx="2808312" cy="369332"/>
-          </a:xfrm>
-          <a:prstGeom prst="rect">
-            <a:avLst/>
-          </a:prstGeom>
-          <a:noFill/>
-        </p:spPr>
-        <p:txBody>
-          <a:bodyPr wrap="square" rtlCol="0">
-            <a:spAutoFit/>
-          </a:bodyPr>
-          <a:lstStyle/>
-          <a:p>
-            <a:r>
-              <a:rPr lang="en-DE" dirty="0" err="1"/>
-              <a:t>Anforderungen</a:t>
-            </a:r>
-            <a:r>
-              <a:rPr lang="en-DE" dirty="0"/>
-              <a:t>:</a:t>
-            </a:r>
-            <a:endParaRPr lang="de-DE" dirty="0"/>
-          </a:p>
-        </p:txBody>
-      </p:sp>
-      <p:sp>
-        <p:nvSpPr>
-          <p:cNvPr id="17" name="Datumsplatzhalter 1">
-            <a:extLst>
-              <a:ext uri="{FF2B5EF4-FFF2-40B4-BE49-F238E27FC236}">
-                <a16:creationId xmlns:a16="http://schemas.microsoft.com/office/drawing/2014/main" id="{9DA87AB4-ADF2-40EC-BD27-8D2E1D2E6C66}"/>
-              </a:ext>
-            </a:extLst>
-          </p:cNvPr>
-          <p:cNvSpPr txBox="1">
-            <a:spLocks/>
-          </p:cNvSpPr>
-          <p:nvPr/>
-        </p:nvSpPr>
-        <p:spPr>
-          <a:xfrm>
-            <a:off x="3563888" y="6513414"/>
-            <a:ext cx="2232248" cy="162000"/>
-          </a:xfrm>
-          <a:prstGeom prst="rect">
-            <a:avLst/>
-          </a:prstGeom>
-        </p:spPr>
-        <p:txBody>
-          <a:bodyPr vert="horz" wrap="none" lIns="91440" tIns="45720" rIns="91440" bIns="45720" rtlCol="0" anchor="ctr"/>
-          <a:lstStyle>
-            <a:defPPr>
-              <a:defRPr lang="de-DE"/>
-            </a:defPPr>
-            <a:lvl1pPr algn="l" rtl="0" fontAlgn="base">
-              <a:spcBef>
-                <a:spcPct val="0"/>
-              </a:spcBef>
-              <a:spcAft>
-                <a:spcPct val="0"/>
-              </a:spcAft>
-              <a:defRPr sz="900" b="0" kern="1200">
-                <a:solidFill>
-                  <a:schemeClr val="bg1"/>
-                </a:solidFill>
-                <a:latin typeface="+mn-lt"/>
-                <a:ea typeface="+mn-ea"/>
-                <a:cs typeface="+mn-cs"/>
-              </a:defRPr>
-            </a:lvl1pPr>
-            <a:lvl2pPr marL="457200" algn="l" rtl="0" fontAlgn="base">
-              <a:spcBef>
-                <a:spcPct val="0"/>
-              </a:spcBef>
-              <a:spcAft>
-                <a:spcPct val="0"/>
-              </a:spcAft>
-              <a:defRPr kern="1200">
-                <a:solidFill>
-                  <a:schemeClr val="tx1"/>
-                </a:solidFill>
-                <a:latin typeface="Arial" charset="0"/>
-                <a:ea typeface="+mn-ea"/>
-                <a:cs typeface="+mn-cs"/>
-              </a:defRPr>
-            </a:lvl2pPr>
-            <a:lvl3pPr marL="914400" algn="l" rtl="0" fontAlgn="base">
-              <a:spcBef>
-                <a:spcPct val="0"/>
-              </a:spcBef>
-              <a:spcAft>
-                <a:spcPct val="0"/>
-              </a:spcAft>
-              <a:defRPr kern="1200">
-                <a:solidFill>
-                  <a:schemeClr val="tx1"/>
-                </a:solidFill>
-                <a:latin typeface="Arial" charset="0"/>
-                <a:ea typeface="+mn-ea"/>
-                <a:cs typeface="+mn-cs"/>
-              </a:defRPr>
-            </a:lvl3pPr>
-            <a:lvl4pPr marL="1371600" algn="l" rtl="0" fontAlgn="base">
-              <a:spcBef>
-                <a:spcPct val="0"/>
-              </a:spcBef>
-              <a:spcAft>
-                <a:spcPct val="0"/>
-              </a:spcAft>
-              <a:defRPr kern="1200">
-                <a:solidFill>
-                  <a:schemeClr val="tx1"/>
-                </a:solidFill>
-                <a:latin typeface="Arial" charset="0"/>
-                <a:ea typeface="+mn-ea"/>
-                <a:cs typeface="+mn-cs"/>
-              </a:defRPr>
-            </a:lvl4pPr>
-            <a:lvl5pPr marL="1828800" algn="l" rtl="0" fontAlgn="base">
-              <a:spcBef>
-                <a:spcPct val="0"/>
-              </a:spcBef>
-              <a:spcAft>
-                <a:spcPct val="0"/>
-              </a:spcAft>
-              <a:defRPr kern="1200">
-                <a:solidFill>
-                  <a:schemeClr val="tx1"/>
-                </a:solidFill>
-                <a:latin typeface="Arial" charset="0"/>
-                <a:ea typeface="+mn-ea"/>
-                <a:cs typeface="+mn-cs"/>
-              </a:defRPr>
-            </a:lvl5pPr>
-            <a:lvl6pPr marL="2286000" algn="l" defTabSz="914400" rtl="0" eaLnBrk="1" latinLnBrk="0" hangingPunct="1">
-              <a:defRPr kern="1200">
-                <a:solidFill>
-                  <a:schemeClr val="tx1"/>
-                </a:solidFill>
-                <a:latin typeface="Arial" charset="0"/>
-                <a:ea typeface="+mn-ea"/>
-                <a:cs typeface="+mn-cs"/>
-              </a:defRPr>
-            </a:lvl6pPr>
-            <a:lvl7pPr marL="2743200" algn="l" defTabSz="914400" rtl="0" eaLnBrk="1" latinLnBrk="0" hangingPunct="1">
-              <a:defRPr kern="1200">
-                <a:solidFill>
-                  <a:schemeClr val="tx1"/>
-                </a:solidFill>
-                <a:latin typeface="Arial" charset="0"/>
-                <a:ea typeface="+mn-ea"/>
-                <a:cs typeface="+mn-cs"/>
-              </a:defRPr>
-            </a:lvl7pPr>
-            <a:lvl8pPr marL="3200400" algn="l" defTabSz="914400" rtl="0" eaLnBrk="1" latinLnBrk="0" hangingPunct="1">
-              <a:defRPr kern="1200">
-                <a:solidFill>
-                  <a:schemeClr val="tx1"/>
-                </a:solidFill>
-                <a:latin typeface="Arial" charset="0"/>
-                <a:ea typeface="+mn-ea"/>
-                <a:cs typeface="+mn-cs"/>
-              </a:defRPr>
-            </a:lvl8pPr>
-            <a:lvl9pPr marL="3657600" algn="l" defTabSz="914400" rtl="0" eaLnBrk="1" latinLnBrk="0" hangingPunct="1">
-              <a:defRPr kern="1200">
-                <a:solidFill>
-                  <a:schemeClr val="tx1"/>
-                </a:solidFill>
-                <a:latin typeface="Arial" charset="0"/>
-                <a:ea typeface="+mn-ea"/>
-                <a:cs typeface="+mn-cs"/>
-              </a:defRPr>
-            </a:lvl9pPr>
-          </a:lstStyle>
-          <a:p>
-            <a:r>
-              <a:rPr lang="de-DE" dirty="0"/>
-              <a:t>Halbritter</a:t>
-            </a:r>
-            <a:r>
-              <a:rPr lang="en-DE" dirty="0"/>
-              <a:t>,</a:t>
-            </a:r>
-            <a:r>
-              <a:rPr lang="de-DE" dirty="0"/>
-              <a:t> Kohl</a:t>
-            </a:r>
-            <a:r>
-              <a:rPr lang="en-DE" dirty="0"/>
-              <a:t>, </a:t>
-            </a:r>
-            <a:r>
-              <a:rPr lang="en-DE" dirty="0" err="1"/>
-              <a:t>Kreussel</a:t>
-            </a:r>
-            <a:r>
-              <a:rPr lang="en-DE" dirty="0"/>
-              <a:t>, </a:t>
-            </a:r>
-            <a:r>
-              <a:rPr lang="en-DE" dirty="0" err="1"/>
-              <a:t>Prettner</a:t>
-            </a:r>
-            <a:r>
-              <a:rPr lang="en-DE" dirty="0"/>
-              <a:t>, Ziegler</a:t>
-            </a:r>
-            <a:endParaRPr lang="de-DE" dirty="0"/>
-          </a:p>
-        </p:txBody>
-      </p:sp>
+      </p:pic>
     </p:spTree>
+    <p:extLst>
+      <p:ext uri="{BB962C8B-B14F-4D97-AF65-F5344CB8AC3E}">
+        <p14:creationId xmlns:p14="http://schemas.microsoft.com/office/powerpoint/2010/main" val="3239013124"/>
+      </p:ext>
+    </p:extLst>
   </p:cSld>
   <p:clrMapOvr>
     <a:masterClrMapping/>
@@ -6409,7 +5673,7 @@
           <p:cNvPr id="2" name="Titel 1">
             <a:extLst>
               <a:ext uri="{FF2B5EF4-FFF2-40B4-BE49-F238E27FC236}">
-                <a16:creationId xmlns:a16="http://schemas.microsoft.com/office/drawing/2014/main" id="{E0441051-D537-499D-BE0A-22CF46E2FD95}"/>
+                <a16:creationId xmlns:a16="http://schemas.microsoft.com/office/drawing/2014/main" id="{98ABC107-68B8-4445-94C5-B0DF1EC4E626}"/>
               </a:ext>
             </a:extLst>
           </p:cNvPr>
@@ -6426,10 +5690,9 @@
           <a:lstStyle/>
           <a:p>
             <a:r>
-              <a:rPr lang="en-DE" dirty="0" err="1"/>
-              <a:t>Architekturüberblick</a:t>
-            </a:r>
-            <a:endParaRPr lang="de-DE" dirty="0"/>
+              <a:rPr lang="de-DE" dirty="0"/>
+              <a:t>Testabdeckung</a:t>
+            </a:r>
           </a:p>
         </p:txBody>
       </p:sp>
@@ -6438,7 +5701,7 @@
           <p:cNvPr id="3" name="Foliennummernplatzhalter 2">
             <a:extLst>
               <a:ext uri="{FF2B5EF4-FFF2-40B4-BE49-F238E27FC236}">
-                <a16:creationId xmlns:a16="http://schemas.microsoft.com/office/drawing/2014/main" id="{435935DB-D6DD-4715-8016-26554F3502D8}"/>
+                <a16:creationId xmlns:a16="http://schemas.microsoft.com/office/drawing/2014/main" id="{8E3A21A0-0A0E-42B4-84B3-2D43B5B0C080}"/>
               </a:ext>
             </a:extLst>
           </p:cNvPr>
@@ -6469,7 +5732,7 @@
           <p:cNvPr id="4" name="Fußzeilenplatzhalter 3">
             <a:extLst>
               <a:ext uri="{FF2B5EF4-FFF2-40B4-BE49-F238E27FC236}">
-                <a16:creationId xmlns:a16="http://schemas.microsoft.com/office/drawing/2014/main" id="{82BC12F0-D057-4773-A4A6-78DF13575C70}"/>
+                <a16:creationId xmlns:a16="http://schemas.microsoft.com/office/drawing/2014/main" id="{862A7758-A645-4603-A7CE-B76E5FC2E578}"/>
               </a:ext>
             </a:extLst>
           </p:cNvPr>
@@ -6486,11 +5749,8 @@
           <a:lstStyle/>
           <a:p>
             <a:r>
-              <a:rPr lang="de-DE" b="0" i="0" dirty="0" err="1">
-                <a:effectLst/>
-                <a:latin typeface="Arial" panose="020B0604020202020204" pitchFamily="34" charset="0"/>
-              </a:rPr>
-              <a:t>Graphvio</a:t>
+              <a:rPr lang="de-DE"/>
+              <a:t>Explosion Guy</a:t>
             </a:r>
             <a:endParaRPr lang="de-DE" dirty="0">
               <a:solidFill>
@@ -6505,7 +5765,7 @@
           <p:cNvPr id="5" name="Datumsplatzhalter 4">
             <a:extLst>
               <a:ext uri="{FF2B5EF4-FFF2-40B4-BE49-F238E27FC236}">
-                <a16:creationId xmlns:a16="http://schemas.microsoft.com/office/drawing/2014/main" id="{AE043C9B-A192-4E82-B5E6-D45B126A6102}"/>
+                <a16:creationId xmlns:a16="http://schemas.microsoft.com/office/drawing/2014/main" id="{D3582524-3F92-433A-A9CF-0E4C531DCB32}"/>
               </a:ext>
             </a:extLst>
           </p:cNvPr>
@@ -6522,8 +5782,20 @@
           <a:lstStyle/>
           <a:p>
             <a:r>
-              <a:rPr lang="en-DE" dirty="0"/>
-              <a:t>17.01.2022</a:t>
+              <a:rPr lang="de-DE"/>
+              <a:t>05</a:t>
+            </a:r>
+            <a:r>
+              <a:rPr lang="en-DE"/>
+              <a:t>.0</a:t>
+            </a:r>
+            <a:r>
+              <a:rPr lang="de-DE"/>
+              <a:t>7</a:t>
+            </a:r>
+            <a:r>
+              <a:rPr lang="en-DE"/>
+              <a:t>.2022</a:t>
             </a:r>
             <a:endParaRPr lang="en-GB" dirty="0">
               <a:solidFill>
@@ -6535,17 +5807,19 @@
       </p:sp>
       <p:pic>
         <p:nvPicPr>
-          <p:cNvPr id="7" name="Picture 2">
+          <p:cNvPr id="8" name="Inhaltsplatzhalter 7">
             <a:extLst>
               <a:ext uri="{FF2B5EF4-FFF2-40B4-BE49-F238E27FC236}">
-                <a16:creationId xmlns:a16="http://schemas.microsoft.com/office/drawing/2014/main" id="{D93D9BD1-7922-428D-AF81-447063AA7EE8}"/>
+                <a16:creationId xmlns:a16="http://schemas.microsoft.com/office/drawing/2014/main" id="{4CF90F1C-3040-4FE1-9A58-39EB78854EAC}"/>
               </a:ext>
             </a:extLst>
           </p:cNvPr>
           <p:cNvPicPr>
-            <a:picLocks noChangeAspect="1" noChangeArrowheads="1"/>
+            <a:picLocks noGrp="1" noChangeAspect="1"/>
           </p:cNvPicPr>
-          <p:nvPr/>
+          <p:nvPr>
+            <p:ph idx="11"/>
+          </p:nvPr>
         </p:nvPicPr>
         <p:blipFill>
           <a:blip r:embed="rId2">
@@ -6555,222 +5829,56 @@
               </a:ext>
             </a:extLst>
           </a:blip>
-          <a:srcRect/>
           <a:stretch>
             <a:fillRect/>
           </a:stretch>
         </p:blipFill>
-        <p:spPr bwMode="auto">
+        <p:spPr>
           <a:xfrm>
-            <a:off x="1349505" y="836712"/>
-            <a:ext cx="5238720" cy="5517130"/>
+            <a:off x="957395" y="2599047"/>
+            <a:ext cx="7260961" cy="2356819"/>
+          </a:xfrm>
+        </p:spPr>
+      </p:pic>
+      <p:sp>
+        <p:nvSpPr>
+          <p:cNvPr id="9" name="Textfeld 8">
+            <a:extLst>
+              <a:ext uri="{FF2B5EF4-FFF2-40B4-BE49-F238E27FC236}">
+                <a16:creationId xmlns:a16="http://schemas.microsoft.com/office/drawing/2014/main" id="{44CB60FD-3555-4CCD-8547-746C145BCBA9}"/>
+              </a:ext>
+            </a:extLst>
+          </p:cNvPr>
+          <p:cNvSpPr txBox="1"/>
+          <p:nvPr/>
+        </p:nvSpPr>
+        <p:spPr>
+          <a:xfrm>
+            <a:off x="957394" y="2168944"/>
+            <a:ext cx="3110549" cy="369332"/>
           </a:xfrm>
           <a:prstGeom prst="rect">
             <a:avLst/>
           </a:prstGeom>
           <a:noFill/>
-          <a:extLst>
-            <a:ext uri="{909E8E84-426E-40DD-AFC4-6F175D3DCCD1}">
-              <a14:hiddenFill xmlns:a14="http://schemas.microsoft.com/office/drawing/2010/main">
-                <a:solidFill>
-                  <a:srgbClr val="FFFFFF"/>
-                </a:solidFill>
-              </a14:hiddenFill>
-            </a:ext>
-          </a:extLst>
         </p:spPr>
-      </p:pic>
-      <p:sp>
-        <p:nvSpPr>
-          <p:cNvPr id="8" name="Datumsplatzhalter 1">
-            <a:extLst>
-              <a:ext uri="{FF2B5EF4-FFF2-40B4-BE49-F238E27FC236}">
-                <a16:creationId xmlns:a16="http://schemas.microsoft.com/office/drawing/2014/main" id="{9902FB13-078C-4B67-8292-B5C0D4E8C976}"/>
-              </a:ext>
-            </a:extLst>
-          </p:cNvPr>
-          <p:cNvSpPr txBox="1">
-            <a:spLocks/>
-          </p:cNvSpPr>
-          <p:nvPr/>
-        </p:nvSpPr>
-        <p:spPr>
-          <a:xfrm>
-            <a:off x="3563888" y="6513414"/>
-            <a:ext cx="2232248" cy="162000"/>
-          </a:xfrm>
-          <a:prstGeom prst="rect">
-            <a:avLst/>
-          </a:prstGeom>
-        </p:spPr>
-        <p:txBody>
-          <a:bodyPr vert="horz" wrap="none" lIns="91440" tIns="45720" rIns="91440" bIns="45720" rtlCol="0" anchor="ctr"/>
-          <a:lstStyle>
-            <a:defPPr>
-              <a:defRPr lang="de-DE"/>
-            </a:defPPr>
-            <a:lvl1pPr algn="l" rtl="0" fontAlgn="base">
-              <a:spcBef>
-                <a:spcPct val="0"/>
-              </a:spcBef>
-              <a:spcAft>
-                <a:spcPct val="0"/>
-              </a:spcAft>
-              <a:defRPr sz="900" b="0" kern="1200">
-                <a:solidFill>
-                  <a:schemeClr val="bg1"/>
-                </a:solidFill>
-                <a:latin typeface="+mn-lt"/>
-                <a:ea typeface="+mn-ea"/>
-                <a:cs typeface="+mn-cs"/>
-              </a:defRPr>
-            </a:lvl1pPr>
-            <a:lvl2pPr marL="457200" algn="l" rtl="0" fontAlgn="base">
-              <a:spcBef>
-                <a:spcPct val="0"/>
-              </a:spcBef>
-              <a:spcAft>
-                <a:spcPct val="0"/>
-              </a:spcAft>
-              <a:defRPr kern="1200">
-                <a:solidFill>
-                  <a:schemeClr val="tx1"/>
-                </a:solidFill>
-                <a:latin typeface="Arial" charset="0"/>
-                <a:ea typeface="+mn-ea"/>
-                <a:cs typeface="+mn-cs"/>
-              </a:defRPr>
-            </a:lvl2pPr>
-            <a:lvl3pPr marL="914400" algn="l" rtl="0" fontAlgn="base">
-              <a:spcBef>
-                <a:spcPct val="0"/>
-              </a:spcBef>
-              <a:spcAft>
-                <a:spcPct val="0"/>
-              </a:spcAft>
-              <a:defRPr kern="1200">
-                <a:solidFill>
-                  <a:schemeClr val="tx1"/>
-                </a:solidFill>
-                <a:latin typeface="Arial" charset="0"/>
-                <a:ea typeface="+mn-ea"/>
-                <a:cs typeface="+mn-cs"/>
-              </a:defRPr>
-            </a:lvl3pPr>
-            <a:lvl4pPr marL="1371600" algn="l" rtl="0" fontAlgn="base">
-              <a:spcBef>
-                <a:spcPct val="0"/>
-              </a:spcBef>
-              <a:spcAft>
-                <a:spcPct val="0"/>
-              </a:spcAft>
-              <a:defRPr kern="1200">
-                <a:solidFill>
-                  <a:schemeClr val="tx1"/>
-                </a:solidFill>
-                <a:latin typeface="Arial" charset="0"/>
-                <a:ea typeface="+mn-ea"/>
-                <a:cs typeface="+mn-cs"/>
-              </a:defRPr>
-            </a:lvl4pPr>
-            <a:lvl5pPr marL="1828800" algn="l" rtl="0" fontAlgn="base">
-              <a:spcBef>
-                <a:spcPct val="0"/>
-              </a:spcBef>
-              <a:spcAft>
-                <a:spcPct val="0"/>
-              </a:spcAft>
-              <a:defRPr kern="1200">
-                <a:solidFill>
-                  <a:schemeClr val="tx1"/>
-                </a:solidFill>
-                <a:latin typeface="Arial" charset="0"/>
-                <a:ea typeface="+mn-ea"/>
-                <a:cs typeface="+mn-cs"/>
-              </a:defRPr>
-            </a:lvl5pPr>
-            <a:lvl6pPr marL="2286000" algn="l" defTabSz="914400" rtl="0" eaLnBrk="1" latinLnBrk="0" hangingPunct="1">
-              <a:defRPr kern="1200">
-                <a:solidFill>
-                  <a:schemeClr val="tx1"/>
-                </a:solidFill>
-                <a:latin typeface="Arial" charset="0"/>
-                <a:ea typeface="+mn-ea"/>
-                <a:cs typeface="+mn-cs"/>
-              </a:defRPr>
-            </a:lvl6pPr>
-            <a:lvl7pPr marL="2743200" algn="l" defTabSz="914400" rtl="0" eaLnBrk="1" latinLnBrk="0" hangingPunct="1">
-              <a:defRPr kern="1200">
-                <a:solidFill>
-                  <a:schemeClr val="tx1"/>
-                </a:solidFill>
-                <a:latin typeface="Arial" charset="0"/>
-                <a:ea typeface="+mn-ea"/>
-                <a:cs typeface="+mn-cs"/>
-              </a:defRPr>
-            </a:lvl7pPr>
-            <a:lvl8pPr marL="3200400" algn="l" defTabSz="914400" rtl="0" eaLnBrk="1" latinLnBrk="0" hangingPunct="1">
-              <a:defRPr kern="1200">
-                <a:solidFill>
-                  <a:schemeClr val="tx1"/>
-                </a:solidFill>
-                <a:latin typeface="Arial" charset="0"/>
-                <a:ea typeface="+mn-ea"/>
-                <a:cs typeface="+mn-cs"/>
-              </a:defRPr>
-            </a:lvl8pPr>
-            <a:lvl9pPr marL="3657600" algn="l" defTabSz="914400" rtl="0" eaLnBrk="1" latinLnBrk="0" hangingPunct="1">
-              <a:defRPr kern="1200">
-                <a:solidFill>
-                  <a:schemeClr val="tx1"/>
-                </a:solidFill>
-                <a:latin typeface="Arial" charset="0"/>
-                <a:ea typeface="+mn-ea"/>
-                <a:cs typeface="+mn-cs"/>
-              </a:defRPr>
-            </a:lvl9pPr>
-          </a:lstStyle>
+        <p:txBody>
+          <a:bodyPr wrap="square" rtlCol="0">
+            <a:spAutoFit/>
+          </a:bodyPr>
+          <a:lstStyle/>
           <a:p>
             <a:r>
               <a:rPr lang="de-DE" dirty="0"/>
-              <a:t>Halbritter</a:t>
-            </a:r>
-            <a:r>
-              <a:rPr lang="en-DE" dirty="0"/>
-              <a:t>,</a:t>
-            </a:r>
-            <a:r>
-              <a:rPr lang="de-DE" dirty="0"/>
-              <a:t> Kohl</a:t>
-            </a:r>
-            <a:r>
-              <a:rPr lang="en-DE" dirty="0"/>
-              <a:t>, </a:t>
-            </a:r>
-            <a:r>
-              <a:rPr lang="en-DE" dirty="0" err="1"/>
-              <a:t>Kreussel</a:t>
-            </a:r>
-            <a:r>
-              <a:rPr lang="en-DE" dirty="0"/>
-              <a:t>, </a:t>
-            </a:r>
-            <a:r>
-              <a:rPr lang="en-DE" dirty="0" err="1"/>
-              <a:t>Prettner</a:t>
-            </a:r>
-            <a:r>
-              <a:rPr lang="en-DE" dirty="0"/>
-              <a:t>, Ziegler</a:t>
-            </a:r>
-            <a:endParaRPr lang="de-DE" dirty="0"/>
+              <a:t>Backend:</a:t>
+            </a:r>
           </a:p>
         </p:txBody>
       </p:sp>
     </p:spTree>
     <p:extLst>
       <p:ext uri="{BB962C8B-B14F-4D97-AF65-F5344CB8AC3E}">
-        <p14:creationId xmlns:p14="http://schemas.microsoft.com/office/powerpoint/2010/main" val="1025755311"/>
+        <p14:creationId xmlns:p14="http://schemas.microsoft.com/office/powerpoint/2010/main" val="716935180"/>
       </p:ext>
     </p:extLst>
   </p:cSld>
@@ -6802,7 +5910,7 @@
           <p:cNvPr id="2" name="Titel 1">
             <a:extLst>
               <a:ext uri="{FF2B5EF4-FFF2-40B4-BE49-F238E27FC236}">
-                <a16:creationId xmlns:a16="http://schemas.microsoft.com/office/drawing/2014/main" id="{E4F4D65E-2EB3-469C-835B-259A16FF6B48}"/>
+                <a16:creationId xmlns:a16="http://schemas.microsoft.com/office/drawing/2014/main" id="{0EE098AC-3EEA-4552-9D7D-A3B437EDE3C5}"/>
               </a:ext>
             </a:extLst>
           </p:cNvPr>
@@ -6819,10 +5927,9 @@
           <a:lstStyle/>
           <a:p>
             <a:r>
-              <a:rPr lang="en-DE" dirty="0" err="1"/>
-              <a:t>Testabdeckung</a:t>
-            </a:r>
-            <a:endParaRPr lang="de-DE" dirty="0"/>
+              <a:rPr lang="de-DE" dirty="0"/>
+              <a:t>Anwendung</a:t>
+            </a:r>
           </a:p>
         </p:txBody>
       </p:sp>
@@ -6831,7 +5938,7 @@
           <p:cNvPr id="3" name="Foliennummernplatzhalter 2">
             <a:extLst>
               <a:ext uri="{FF2B5EF4-FFF2-40B4-BE49-F238E27FC236}">
-                <a16:creationId xmlns:a16="http://schemas.microsoft.com/office/drawing/2014/main" id="{F9A55B8F-B1EE-4C98-8300-3D22ABCDDA9C}"/>
+                <a16:creationId xmlns:a16="http://schemas.microsoft.com/office/drawing/2014/main" id="{374A2A91-47EE-47AC-BE88-6AF7F9DB7AEE}"/>
               </a:ext>
             </a:extLst>
           </p:cNvPr>
@@ -6862,7 +5969,7 @@
           <p:cNvPr id="4" name="Fußzeilenplatzhalter 3">
             <a:extLst>
               <a:ext uri="{FF2B5EF4-FFF2-40B4-BE49-F238E27FC236}">
-                <a16:creationId xmlns:a16="http://schemas.microsoft.com/office/drawing/2014/main" id="{1C8CA2B4-E097-4CEB-BFAB-0BD75137575C}"/>
+                <a16:creationId xmlns:a16="http://schemas.microsoft.com/office/drawing/2014/main" id="{CD96E2CA-2A50-4FB2-9FA8-36FDE75ABD4A}"/>
               </a:ext>
             </a:extLst>
           </p:cNvPr>
@@ -6879,11 +5986,8 @@
           <a:lstStyle/>
           <a:p>
             <a:r>
-              <a:rPr lang="de-DE" b="0" i="0" dirty="0" err="1">
-                <a:effectLst/>
-                <a:latin typeface="Arial" panose="020B0604020202020204" pitchFamily="34" charset="0"/>
-              </a:rPr>
-              <a:t>Graphvio</a:t>
+              <a:rPr lang="de-DE"/>
+              <a:t>Explosion Guy</a:t>
             </a:r>
             <a:endParaRPr lang="de-DE" dirty="0">
               <a:solidFill>
@@ -6898,7 +6002,7 @@
           <p:cNvPr id="5" name="Datumsplatzhalter 4">
             <a:extLst>
               <a:ext uri="{FF2B5EF4-FFF2-40B4-BE49-F238E27FC236}">
-                <a16:creationId xmlns:a16="http://schemas.microsoft.com/office/drawing/2014/main" id="{300873DE-1B20-4FAA-9843-96AAF73A6B36}"/>
+                <a16:creationId xmlns:a16="http://schemas.microsoft.com/office/drawing/2014/main" id="{43B6B496-7467-4AE3-9F5F-5701FB7EBA4E}"/>
               </a:ext>
             </a:extLst>
           </p:cNvPr>
@@ -6915,8 +6019,20 @@
           <a:lstStyle/>
           <a:p>
             <a:r>
-              <a:rPr lang="en-DE" dirty="0"/>
-              <a:t>17.01.2022</a:t>
+              <a:rPr lang="de-DE"/>
+              <a:t>05</a:t>
+            </a:r>
+            <a:r>
+              <a:rPr lang="en-DE"/>
+              <a:t>.0</a:t>
+            </a:r>
+            <a:r>
+              <a:rPr lang="de-DE"/>
+              <a:t>7</a:t>
+            </a:r>
+            <a:r>
+              <a:rPr lang="en-DE"/>
+              <a:t>.2022</a:t>
             </a:r>
             <a:endParaRPr lang="en-GB" dirty="0">
               <a:solidFill>
@@ -6926,71 +6042,21 @@
           </a:p>
         </p:txBody>
       </p:sp>
-      <p:sp>
-        <p:nvSpPr>
-          <p:cNvPr id="9" name="Textfeld 8">
+      <p:pic>
+        <p:nvPicPr>
+          <p:cNvPr id="8" name="Inhaltsplatzhalter 7">
             <a:extLst>
               <a:ext uri="{FF2B5EF4-FFF2-40B4-BE49-F238E27FC236}">
-                <a16:creationId xmlns:a16="http://schemas.microsoft.com/office/drawing/2014/main" id="{782C0348-6127-4767-BBF8-C19914AE2FD5}"/>
-              </a:ext>
-            </a:extLst>
-          </p:cNvPr>
-          <p:cNvSpPr txBox="1"/>
-          <p:nvPr/>
-        </p:nvSpPr>
-        <p:spPr>
-          <a:xfrm>
-            <a:off x="512290" y="1206173"/>
-            <a:ext cx="4572000" cy="369332"/>
-          </a:xfrm>
-          <a:prstGeom prst="rect">
-            <a:avLst/>
-          </a:prstGeom>
-          <a:noFill/>
-        </p:spPr>
-        <p:txBody>
-          <a:bodyPr wrap="square">
-            <a:spAutoFit/>
-          </a:bodyPr>
-          <a:lstStyle/>
-          <a:p>
-            <a:r>
-              <a:rPr lang="de-DE" b="0" i="0" dirty="0">
-                <a:effectLst/>
-                <a:latin typeface="Arial" panose="020B0604020202020204" pitchFamily="34" charset="0"/>
-              </a:rPr>
-              <a:t>B</a:t>
-            </a:r>
-            <a:r>
-              <a:rPr lang="en-DE" b="0" i="0" dirty="0" err="1">
-                <a:effectLst/>
-                <a:latin typeface="Arial" panose="020B0604020202020204" pitchFamily="34" charset="0"/>
-              </a:rPr>
-              <a:t>ackend</a:t>
-            </a:r>
-            <a:r>
-              <a:rPr lang="en-DE" b="0" i="0" dirty="0">
-                <a:effectLst/>
-                <a:latin typeface="Arial" panose="020B0604020202020204" pitchFamily="34" charset="0"/>
-              </a:rPr>
-              <a:t>:</a:t>
-            </a:r>
-          </a:p>
-        </p:txBody>
-      </p:sp>
-      <p:pic>
-        <p:nvPicPr>
-          <p:cNvPr id="1026" name="Picture 2">
-            <a:extLst>
-              <a:ext uri="{FF2B5EF4-FFF2-40B4-BE49-F238E27FC236}">
-                <a16:creationId xmlns:a16="http://schemas.microsoft.com/office/drawing/2014/main" id="{F95B2FC8-6FE7-4989-872A-716400169600}"/>
+                <a16:creationId xmlns:a16="http://schemas.microsoft.com/office/drawing/2014/main" id="{FEA8D440-220E-4A6B-8EEB-A06C4EAA8505}"/>
               </a:ext>
             </a:extLst>
           </p:cNvPr>
           <p:cNvPicPr>
-            <a:picLocks noChangeAspect="1" noChangeArrowheads="1"/>
+            <a:picLocks noGrp="1" noChangeAspect="1"/>
           </p:cNvPicPr>
-          <p:nvPr/>
+          <p:nvPr>
+            <p:ph idx="11"/>
+          </p:nvPr>
         </p:nvPicPr>
         <p:blipFill>
           <a:blip r:embed="rId2">
@@ -7000,321 +6066,21 @@
               </a:ext>
             </a:extLst>
           </a:blip>
-          <a:srcRect/>
           <a:stretch>
             <a:fillRect/>
           </a:stretch>
         </p:blipFill>
-        <p:spPr bwMode="auto">
+        <p:spPr>
           <a:xfrm>
-            <a:off x="535930" y="4941168"/>
-            <a:ext cx="5514975" cy="1162050"/>
+            <a:off x="899592" y="1339850"/>
+            <a:ext cx="6373889" cy="4875213"/>
           </a:xfrm>
-          <a:prstGeom prst="rect">
-            <a:avLst/>
-          </a:prstGeom>
-          <a:noFill/>
-          <a:extLst>
-            <a:ext uri="{909E8E84-426E-40DD-AFC4-6F175D3DCCD1}">
-              <a14:hiddenFill xmlns:a14="http://schemas.microsoft.com/office/drawing/2010/main">
-                <a:solidFill>
-                  <a:srgbClr val="FFFFFF"/>
-                </a:solidFill>
-              </a14:hiddenFill>
-            </a:ext>
-          </a:extLst>
         </p:spPr>
       </p:pic>
-      <p:sp>
-        <p:nvSpPr>
-          <p:cNvPr id="11" name="Textfeld 10">
-            <a:extLst>
-              <a:ext uri="{FF2B5EF4-FFF2-40B4-BE49-F238E27FC236}">
-                <a16:creationId xmlns:a16="http://schemas.microsoft.com/office/drawing/2014/main" id="{33F32B44-BD33-48E7-BE84-F813A0C0EE3E}"/>
-              </a:ext>
-            </a:extLst>
-          </p:cNvPr>
-          <p:cNvSpPr txBox="1"/>
-          <p:nvPr/>
-        </p:nvSpPr>
-        <p:spPr>
-          <a:xfrm>
-            <a:off x="502902" y="4331004"/>
-            <a:ext cx="4572000" cy="369332"/>
-          </a:xfrm>
-          <a:prstGeom prst="rect">
-            <a:avLst/>
-          </a:prstGeom>
-          <a:noFill/>
-        </p:spPr>
-        <p:txBody>
-          <a:bodyPr wrap="square">
-            <a:spAutoFit/>
-          </a:bodyPr>
-          <a:lstStyle/>
-          <a:p>
-            <a:r>
-              <a:rPr lang="de-DE" b="0" i="0" dirty="0">
-                <a:effectLst/>
-                <a:latin typeface="Arial" panose="020B0604020202020204" pitchFamily="34" charset="0"/>
-              </a:rPr>
-              <a:t>F</a:t>
-            </a:r>
-            <a:r>
-              <a:rPr lang="en-DE" b="0" i="0" dirty="0" err="1">
-                <a:effectLst/>
-                <a:latin typeface="Arial" panose="020B0604020202020204" pitchFamily="34" charset="0"/>
-              </a:rPr>
-              <a:t>rontend</a:t>
-            </a:r>
-            <a:r>
-              <a:rPr lang="en-DE" b="0" i="0" dirty="0">
-                <a:effectLst/>
-                <a:latin typeface="Arial" panose="020B0604020202020204" pitchFamily="34" charset="0"/>
-              </a:rPr>
-              <a:t>:</a:t>
-            </a:r>
-          </a:p>
-        </p:txBody>
-      </p:sp>
-      <p:pic>
-        <p:nvPicPr>
-          <p:cNvPr id="1028" name="Picture 4">
-            <a:extLst>
-              <a:ext uri="{FF2B5EF4-FFF2-40B4-BE49-F238E27FC236}">
-                <a16:creationId xmlns:a16="http://schemas.microsoft.com/office/drawing/2014/main" id="{A980CCEE-AB66-4672-8742-2EE95E2242AD}"/>
-              </a:ext>
-            </a:extLst>
-          </p:cNvPr>
-          <p:cNvPicPr>
-            <a:picLocks noChangeAspect="1" noChangeArrowheads="1"/>
-          </p:cNvPicPr>
-          <p:nvPr/>
-        </p:nvPicPr>
-        <p:blipFill>
-          <a:blip r:embed="rId3">
-            <a:extLst>
-              <a:ext uri="{28A0092B-C50C-407E-A947-70E740481C1C}">
-                <a14:useLocalDpi xmlns:a14="http://schemas.microsoft.com/office/drawing/2010/main" val="0"/>
-              </a:ext>
-            </a:extLst>
-          </a:blip>
-          <a:srcRect/>
-          <a:stretch>
-            <a:fillRect/>
-          </a:stretch>
-        </p:blipFill>
-        <p:spPr bwMode="auto">
-          <a:xfrm>
-            <a:off x="517096" y="1713857"/>
-            <a:ext cx="7410450" cy="2581275"/>
-          </a:xfrm>
-          <a:prstGeom prst="rect">
-            <a:avLst/>
-          </a:prstGeom>
-          <a:noFill/>
-          <a:extLst>
-            <a:ext uri="{909E8E84-426E-40DD-AFC4-6F175D3DCCD1}">
-              <a14:hiddenFill xmlns:a14="http://schemas.microsoft.com/office/drawing/2010/main">
-                <a:solidFill>
-                  <a:srgbClr val="FFFFFF"/>
-                </a:solidFill>
-              </a14:hiddenFill>
-            </a:ext>
-          </a:extLst>
-        </p:spPr>
-      </p:pic>
-      <p:sp>
-        <p:nvSpPr>
-          <p:cNvPr id="13" name="Datumsplatzhalter 1">
-            <a:extLst>
-              <a:ext uri="{FF2B5EF4-FFF2-40B4-BE49-F238E27FC236}">
-                <a16:creationId xmlns:a16="http://schemas.microsoft.com/office/drawing/2014/main" id="{7501210F-4613-4934-9859-A7F7923DBB7D}"/>
-              </a:ext>
-            </a:extLst>
-          </p:cNvPr>
-          <p:cNvSpPr txBox="1">
-            <a:spLocks/>
-          </p:cNvSpPr>
-          <p:nvPr/>
-        </p:nvSpPr>
-        <p:spPr>
-          <a:xfrm>
-            <a:off x="3563888" y="6513414"/>
-            <a:ext cx="2232248" cy="162000"/>
-          </a:xfrm>
-          <a:prstGeom prst="rect">
-            <a:avLst/>
-          </a:prstGeom>
-        </p:spPr>
-        <p:txBody>
-          <a:bodyPr vert="horz" wrap="none" lIns="91440" tIns="45720" rIns="91440" bIns="45720" rtlCol="0" anchor="ctr"/>
-          <a:lstStyle>
-            <a:defPPr>
-              <a:defRPr lang="de-DE"/>
-            </a:defPPr>
-            <a:lvl1pPr algn="l" rtl="0" fontAlgn="base">
-              <a:spcBef>
-                <a:spcPct val="0"/>
-              </a:spcBef>
-              <a:spcAft>
-                <a:spcPct val="0"/>
-              </a:spcAft>
-              <a:defRPr sz="900" b="0" kern="1200">
-                <a:solidFill>
-                  <a:schemeClr val="bg1"/>
-                </a:solidFill>
-                <a:latin typeface="+mn-lt"/>
-                <a:ea typeface="+mn-ea"/>
-                <a:cs typeface="+mn-cs"/>
-              </a:defRPr>
-            </a:lvl1pPr>
-            <a:lvl2pPr marL="457200" algn="l" rtl="0" fontAlgn="base">
-              <a:spcBef>
-                <a:spcPct val="0"/>
-              </a:spcBef>
-              <a:spcAft>
-                <a:spcPct val="0"/>
-              </a:spcAft>
-              <a:defRPr kern="1200">
-                <a:solidFill>
-                  <a:schemeClr val="tx1"/>
-                </a:solidFill>
-                <a:latin typeface="Arial" charset="0"/>
-                <a:ea typeface="+mn-ea"/>
-                <a:cs typeface="+mn-cs"/>
-              </a:defRPr>
-            </a:lvl2pPr>
-            <a:lvl3pPr marL="914400" algn="l" rtl="0" fontAlgn="base">
-              <a:spcBef>
-                <a:spcPct val="0"/>
-              </a:spcBef>
-              <a:spcAft>
-                <a:spcPct val="0"/>
-              </a:spcAft>
-              <a:defRPr kern="1200">
-                <a:solidFill>
-                  <a:schemeClr val="tx1"/>
-                </a:solidFill>
-                <a:latin typeface="Arial" charset="0"/>
-                <a:ea typeface="+mn-ea"/>
-                <a:cs typeface="+mn-cs"/>
-              </a:defRPr>
-            </a:lvl3pPr>
-            <a:lvl4pPr marL="1371600" algn="l" rtl="0" fontAlgn="base">
-              <a:spcBef>
-                <a:spcPct val="0"/>
-              </a:spcBef>
-              <a:spcAft>
-                <a:spcPct val="0"/>
-              </a:spcAft>
-              <a:defRPr kern="1200">
-                <a:solidFill>
-                  <a:schemeClr val="tx1"/>
-                </a:solidFill>
-                <a:latin typeface="Arial" charset="0"/>
-                <a:ea typeface="+mn-ea"/>
-                <a:cs typeface="+mn-cs"/>
-              </a:defRPr>
-            </a:lvl4pPr>
-            <a:lvl5pPr marL="1828800" algn="l" rtl="0" fontAlgn="base">
-              <a:spcBef>
-                <a:spcPct val="0"/>
-              </a:spcBef>
-              <a:spcAft>
-                <a:spcPct val="0"/>
-              </a:spcAft>
-              <a:defRPr kern="1200">
-                <a:solidFill>
-                  <a:schemeClr val="tx1"/>
-                </a:solidFill>
-                <a:latin typeface="Arial" charset="0"/>
-                <a:ea typeface="+mn-ea"/>
-                <a:cs typeface="+mn-cs"/>
-              </a:defRPr>
-            </a:lvl5pPr>
-            <a:lvl6pPr marL="2286000" algn="l" defTabSz="914400" rtl="0" eaLnBrk="1" latinLnBrk="0" hangingPunct="1">
-              <a:defRPr kern="1200">
-                <a:solidFill>
-                  <a:schemeClr val="tx1"/>
-                </a:solidFill>
-                <a:latin typeface="Arial" charset="0"/>
-                <a:ea typeface="+mn-ea"/>
-                <a:cs typeface="+mn-cs"/>
-              </a:defRPr>
-            </a:lvl6pPr>
-            <a:lvl7pPr marL="2743200" algn="l" defTabSz="914400" rtl="0" eaLnBrk="1" latinLnBrk="0" hangingPunct="1">
-              <a:defRPr kern="1200">
-                <a:solidFill>
-                  <a:schemeClr val="tx1"/>
-                </a:solidFill>
-                <a:latin typeface="Arial" charset="0"/>
-                <a:ea typeface="+mn-ea"/>
-                <a:cs typeface="+mn-cs"/>
-              </a:defRPr>
-            </a:lvl7pPr>
-            <a:lvl8pPr marL="3200400" algn="l" defTabSz="914400" rtl="0" eaLnBrk="1" latinLnBrk="0" hangingPunct="1">
-              <a:defRPr kern="1200">
-                <a:solidFill>
-                  <a:schemeClr val="tx1"/>
-                </a:solidFill>
-                <a:latin typeface="Arial" charset="0"/>
-                <a:ea typeface="+mn-ea"/>
-                <a:cs typeface="+mn-cs"/>
-              </a:defRPr>
-            </a:lvl8pPr>
-            <a:lvl9pPr marL="3657600" algn="l" defTabSz="914400" rtl="0" eaLnBrk="1" latinLnBrk="0" hangingPunct="1">
-              <a:defRPr kern="1200">
-                <a:solidFill>
-                  <a:schemeClr val="tx1"/>
-                </a:solidFill>
-                <a:latin typeface="Arial" charset="0"/>
-                <a:ea typeface="+mn-ea"/>
-                <a:cs typeface="+mn-cs"/>
-              </a:defRPr>
-            </a:lvl9pPr>
-          </a:lstStyle>
-          <a:p>
-            <a:r>
-              <a:rPr lang="de-DE" dirty="0"/>
-              <a:t>Halbritter</a:t>
-            </a:r>
-            <a:r>
-              <a:rPr lang="en-DE" dirty="0"/>
-              <a:t>,</a:t>
-            </a:r>
-            <a:r>
-              <a:rPr lang="de-DE" dirty="0"/>
-              <a:t> Kohl</a:t>
-            </a:r>
-            <a:r>
-              <a:rPr lang="en-DE" dirty="0"/>
-              <a:t>, </a:t>
-            </a:r>
-            <a:r>
-              <a:rPr lang="en-DE" dirty="0" err="1"/>
-              <a:t>Kreussel</a:t>
-            </a:r>
-            <a:r>
-              <a:rPr lang="en-DE" dirty="0"/>
-              <a:t>, </a:t>
-            </a:r>
-            <a:r>
-              <a:rPr lang="en-DE" dirty="0" err="1"/>
-              <a:t>Prettner</a:t>
-            </a:r>
-            <a:r>
-              <a:rPr lang="en-DE" dirty="0"/>
-              <a:t>, Ziegler</a:t>
-            </a:r>
-            <a:endParaRPr lang="de-DE" dirty="0"/>
-          </a:p>
-        </p:txBody>
-      </p:sp>
     </p:spTree>
     <p:extLst>
       <p:ext uri="{BB962C8B-B14F-4D97-AF65-F5344CB8AC3E}">
-        <p14:creationId xmlns:p14="http://schemas.microsoft.com/office/powerpoint/2010/main" val="478594616"/>
+        <p14:creationId xmlns:p14="http://schemas.microsoft.com/office/powerpoint/2010/main" val="2174545599"/>
       </p:ext>
     </p:extLst>
   </p:cSld>
@@ -7346,7 +6112,7 @@
           <p:cNvPr id="2" name="Titel 1">
             <a:extLst>
               <a:ext uri="{FF2B5EF4-FFF2-40B4-BE49-F238E27FC236}">
-                <a16:creationId xmlns:a16="http://schemas.microsoft.com/office/drawing/2014/main" id="{74D8A47A-1A55-44CE-A2AD-17EC386BDEBE}"/>
+                <a16:creationId xmlns:a16="http://schemas.microsoft.com/office/drawing/2014/main" id="{7203C53A-BEF2-49EA-B8D0-475FA37AFA39}"/>
               </a:ext>
             </a:extLst>
           </p:cNvPr>
@@ -7357,16 +6123,20 @@
             <p:ph type="title"/>
           </p:nvPr>
         </p:nvSpPr>
-        <p:spPr/>
+        <p:spPr>
+          <a:xfrm>
+            <a:off x="3615705" y="3159646"/>
+            <a:ext cx="1912589" cy="538708"/>
+          </a:xfrm>
+        </p:spPr>
         <p:txBody>
           <a:bodyPr/>
           <a:lstStyle/>
           <a:p>
             <a:r>
-              <a:rPr lang="en-DE" dirty="0" err="1"/>
-              <a:t>Anwendung</a:t>
-            </a:r>
-            <a:endParaRPr lang="de-DE" dirty="0"/>
+              <a:rPr lang="de-DE" dirty="0"/>
+              <a:t>Live Demo!</a:t>
+            </a:r>
           </a:p>
         </p:txBody>
       </p:sp>
@@ -7375,7 +6145,7 @@
           <p:cNvPr id="3" name="Foliennummernplatzhalter 2">
             <a:extLst>
               <a:ext uri="{FF2B5EF4-FFF2-40B4-BE49-F238E27FC236}">
-                <a16:creationId xmlns:a16="http://schemas.microsoft.com/office/drawing/2014/main" id="{62975FD5-F5B5-4706-880B-DBBCA2F9C27A}"/>
+                <a16:creationId xmlns:a16="http://schemas.microsoft.com/office/drawing/2014/main" id="{B3B6181B-EA23-447F-9BE9-AAF05847C2DC}"/>
               </a:ext>
             </a:extLst>
           </p:cNvPr>
@@ -7406,7 +6176,7 @@
           <p:cNvPr id="4" name="Fußzeilenplatzhalter 3">
             <a:extLst>
               <a:ext uri="{FF2B5EF4-FFF2-40B4-BE49-F238E27FC236}">
-                <a16:creationId xmlns:a16="http://schemas.microsoft.com/office/drawing/2014/main" id="{B5883D3D-9B7D-4A33-90D9-66601485239B}"/>
+                <a16:creationId xmlns:a16="http://schemas.microsoft.com/office/drawing/2014/main" id="{AF5A19E6-7A76-4FDF-8A7E-7996FABFD023}"/>
               </a:ext>
             </a:extLst>
           </p:cNvPr>
@@ -7423,11 +6193,8 @@
           <a:lstStyle/>
           <a:p>
             <a:r>
-              <a:rPr lang="de-DE" b="0" i="0" dirty="0" err="1">
-                <a:effectLst/>
-                <a:latin typeface="Arial" panose="020B0604020202020204" pitchFamily="34" charset="0"/>
-              </a:rPr>
-              <a:t>Graphvio</a:t>
+              <a:rPr lang="de-DE"/>
+              <a:t>Explosion Guy</a:t>
             </a:r>
             <a:endParaRPr lang="de-DE" dirty="0">
               <a:solidFill>
@@ -7442,7 +6209,7 @@
           <p:cNvPr id="5" name="Datumsplatzhalter 4">
             <a:extLst>
               <a:ext uri="{FF2B5EF4-FFF2-40B4-BE49-F238E27FC236}">
-                <a16:creationId xmlns:a16="http://schemas.microsoft.com/office/drawing/2014/main" id="{4547C540-2968-4C45-944A-192AAAE5A34C}"/>
+                <a16:creationId xmlns:a16="http://schemas.microsoft.com/office/drawing/2014/main" id="{169AFE77-9AF7-4640-B93F-0FE3039D7A30}"/>
               </a:ext>
             </a:extLst>
           </p:cNvPr>
@@ -7459,8 +6226,20 @@
           <a:lstStyle/>
           <a:p>
             <a:r>
-              <a:rPr lang="en-DE" dirty="0"/>
-              <a:t>17.01.2022</a:t>
+              <a:rPr lang="de-DE"/>
+              <a:t>05</a:t>
+            </a:r>
+            <a:r>
+              <a:rPr lang="en-DE"/>
+              <a:t>.0</a:t>
+            </a:r>
+            <a:r>
+              <a:rPr lang="de-DE"/>
+              <a:t>7</a:t>
+            </a:r>
+            <a:r>
+              <a:rPr lang="en-DE"/>
+              <a:t>.2022</a:t>
             </a:r>
             <a:endParaRPr lang="en-GB" dirty="0">
               <a:solidFill>
@@ -7470,578 +6249,10 @@
           </a:p>
         </p:txBody>
       </p:sp>
-      <p:pic>
-        <p:nvPicPr>
-          <p:cNvPr id="8" name="Grafik 7">
-            <a:extLst>
-              <a:ext uri="{FF2B5EF4-FFF2-40B4-BE49-F238E27FC236}">
-                <a16:creationId xmlns:a16="http://schemas.microsoft.com/office/drawing/2014/main" id="{38EF9A9B-A12E-487B-886A-602ED729470F}"/>
-              </a:ext>
-            </a:extLst>
-          </p:cNvPr>
-          <p:cNvPicPr>
-            <a:picLocks noChangeAspect="1"/>
-          </p:cNvPicPr>
-          <p:nvPr/>
-        </p:nvPicPr>
-        <p:blipFill>
-          <a:blip r:embed="rId2"/>
-          <a:stretch>
-            <a:fillRect/>
-          </a:stretch>
-        </p:blipFill>
-        <p:spPr>
-          <a:xfrm>
-            <a:off x="0" y="1484784"/>
-            <a:ext cx="9144000" cy="4775641"/>
-          </a:xfrm>
-          <a:prstGeom prst="rect">
-            <a:avLst/>
-          </a:prstGeom>
-        </p:spPr>
-      </p:pic>
-      <p:sp>
-        <p:nvSpPr>
-          <p:cNvPr id="9" name="Datumsplatzhalter 1">
-            <a:extLst>
-              <a:ext uri="{FF2B5EF4-FFF2-40B4-BE49-F238E27FC236}">
-                <a16:creationId xmlns:a16="http://schemas.microsoft.com/office/drawing/2014/main" id="{5C641C42-2AE8-4216-8895-DDFE3834FEEE}"/>
-              </a:ext>
-            </a:extLst>
-          </p:cNvPr>
-          <p:cNvSpPr txBox="1">
-            <a:spLocks/>
-          </p:cNvSpPr>
-          <p:nvPr/>
-        </p:nvSpPr>
-        <p:spPr>
-          <a:xfrm>
-            <a:off x="3563888" y="6513414"/>
-            <a:ext cx="2232248" cy="162000"/>
-          </a:xfrm>
-          <a:prstGeom prst="rect">
-            <a:avLst/>
-          </a:prstGeom>
-        </p:spPr>
-        <p:txBody>
-          <a:bodyPr vert="horz" wrap="none" lIns="91440" tIns="45720" rIns="91440" bIns="45720" rtlCol="0" anchor="ctr"/>
-          <a:lstStyle>
-            <a:defPPr>
-              <a:defRPr lang="de-DE"/>
-            </a:defPPr>
-            <a:lvl1pPr algn="l" rtl="0" fontAlgn="base">
-              <a:spcBef>
-                <a:spcPct val="0"/>
-              </a:spcBef>
-              <a:spcAft>
-                <a:spcPct val="0"/>
-              </a:spcAft>
-              <a:defRPr sz="900" b="0" kern="1200">
-                <a:solidFill>
-                  <a:schemeClr val="bg1"/>
-                </a:solidFill>
-                <a:latin typeface="+mn-lt"/>
-                <a:ea typeface="+mn-ea"/>
-                <a:cs typeface="+mn-cs"/>
-              </a:defRPr>
-            </a:lvl1pPr>
-            <a:lvl2pPr marL="457200" algn="l" rtl="0" fontAlgn="base">
-              <a:spcBef>
-                <a:spcPct val="0"/>
-              </a:spcBef>
-              <a:spcAft>
-                <a:spcPct val="0"/>
-              </a:spcAft>
-              <a:defRPr kern="1200">
-                <a:solidFill>
-                  <a:schemeClr val="tx1"/>
-                </a:solidFill>
-                <a:latin typeface="Arial" charset="0"/>
-                <a:ea typeface="+mn-ea"/>
-                <a:cs typeface="+mn-cs"/>
-              </a:defRPr>
-            </a:lvl2pPr>
-            <a:lvl3pPr marL="914400" algn="l" rtl="0" fontAlgn="base">
-              <a:spcBef>
-                <a:spcPct val="0"/>
-              </a:spcBef>
-              <a:spcAft>
-                <a:spcPct val="0"/>
-              </a:spcAft>
-              <a:defRPr kern="1200">
-                <a:solidFill>
-                  <a:schemeClr val="tx1"/>
-                </a:solidFill>
-                <a:latin typeface="Arial" charset="0"/>
-                <a:ea typeface="+mn-ea"/>
-                <a:cs typeface="+mn-cs"/>
-              </a:defRPr>
-            </a:lvl3pPr>
-            <a:lvl4pPr marL="1371600" algn="l" rtl="0" fontAlgn="base">
-              <a:spcBef>
-                <a:spcPct val="0"/>
-              </a:spcBef>
-              <a:spcAft>
-                <a:spcPct val="0"/>
-              </a:spcAft>
-              <a:defRPr kern="1200">
-                <a:solidFill>
-                  <a:schemeClr val="tx1"/>
-                </a:solidFill>
-                <a:latin typeface="Arial" charset="0"/>
-                <a:ea typeface="+mn-ea"/>
-                <a:cs typeface="+mn-cs"/>
-              </a:defRPr>
-            </a:lvl4pPr>
-            <a:lvl5pPr marL="1828800" algn="l" rtl="0" fontAlgn="base">
-              <a:spcBef>
-                <a:spcPct val="0"/>
-              </a:spcBef>
-              <a:spcAft>
-                <a:spcPct val="0"/>
-              </a:spcAft>
-              <a:defRPr kern="1200">
-                <a:solidFill>
-                  <a:schemeClr val="tx1"/>
-                </a:solidFill>
-                <a:latin typeface="Arial" charset="0"/>
-                <a:ea typeface="+mn-ea"/>
-                <a:cs typeface="+mn-cs"/>
-              </a:defRPr>
-            </a:lvl5pPr>
-            <a:lvl6pPr marL="2286000" algn="l" defTabSz="914400" rtl="0" eaLnBrk="1" latinLnBrk="0" hangingPunct="1">
-              <a:defRPr kern="1200">
-                <a:solidFill>
-                  <a:schemeClr val="tx1"/>
-                </a:solidFill>
-                <a:latin typeface="Arial" charset="0"/>
-                <a:ea typeface="+mn-ea"/>
-                <a:cs typeface="+mn-cs"/>
-              </a:defRPr>
-            </a:lvl6pPr>
-            <a:lvl7pPr marL="2743200" algn="l" defTabSz="914400" rtl="0" eaLnBrk="1" latinLnBrk="0" hangingPunct="1">
-              <a:defRPr kern="1200">
-                <a:solidFill>
-                  <a:schemeClr val="tx1"/>
-                </a:solidFill>
-                <a:latin typeface="Arial" charset="0"/>
-                <a:ea typeface="+mn-ea"/>
-                <a:cs typeface="+mn-cs"/>
-              </a:defRPr>
-            </a:lvl7pPr>
-            <a:lvl8pPr marL="3200400" algn="l" defTabSz="914400" rtl="0" eaLnBrk="1" latinLnBrk="0" hangingPunct="1">
-              <a:defRPr kern="1200">
-                <a:solidFill>
-                  <a:schemeClr val="tx1"/>
-                </a:solidFill>
-                <a:latin typeface="Arial" charset="0"/>
-                <a:ea typeface="+mn-ea"/>
-                <a:cs typeface="+mn-cs"/>
-              </a:defRPr>
-            </a:lvl8pPr>
-            <a:lvl9pPr marL="3657600" algn="l" defTabSz="914400" rtl="0" eaLnBrk="1" latinLnBrk="0" hangingPunct="1">
-              <a:defRPr kern="1200">
-                <a:solidFill>
-                  <a:schemeClr val="tx1"/>
-                </a:solidFill>
-                <a:latin typeface="Arial" charset="0"/>
-                <a:ea typeface="+mn-ea"/>
-                <a:cs typeface="+mn-cs"/>
-              </a:defRPr>
-            </a:lvl9pPr>
-          </a:lstStyle>
-          <a:p>
-            <a:r>
-              <a:rPr lang="de-DE" dirty="0"/>
-              <a:t>Halbritter</a:t>
-            </a:r>
-            <a:r>
-              <a:rPr lang="en-DE" dirty="0"/>
-              <a:t>,</a:t>
-            </a:r>
-            <a:r>
-              <a:rPr lang="de-DE" dirty="0"/>
-              <a:t> Kohl</a:t>
-            </a:r>
-            <a:r>
-              <a:rPr lang="en-DE" dirty="0"/>
-              <a:t>, </a:t>
-            </a:r>
-            <a:r>
-              <a:rPr lang="en-DE" dirty="0" err="1"/>
-              <a:t>Kreussel</a:t>
-            </a:r>
-            <a:r>
-              <a:rPr lang="en-DE" dirty="0"/>
-              <a:t>, </a:t>
-            </a:r>
-            <a:r>
-              <a:rPr lang="en-DE" dirty="0" err="1"/>
-              <a:t>Prettner</a:t>
-            </a:r>
-            <a:r>
-              <a:rPr lang="en-DE" dirty="0"/>
-              <a:t>, Ziegler</a:t>
-            </a:r>
-            <a:endParaRPr lang="de-DE" dirty="0"/>
-          </a:p>
-        </p:txBody>
-      </p:sp>
     </p:spTree>
     <p:extLst>
       <p:ext uri="{BB962C8B-B14F-4D97-AF65-F5344CB8AC3E}">
-        <p14:creationId xmlns:p14="http://schemas.microsoft.com/office/powerpoint/2010/main" val="2547494669"/>
-      </p:ext>
-    </p:extLst>
-  </p:cSld>
-  <p:clrMapOvr>
-    <a:masterClrMapping/>
-  </p:clrMapOvr>
-</p:sld>
-</file>
-
-<file path=ppt/slides/slide7.xml><?xml version="1.0" encoding="utf-8"?>
-<p:sld xmlns:a="http://schemas.openxmlformats.org/drawingml/2006/main" xmlns:r="http://schemas.openxmlformats.org/officeDocument/2006/relationships" xmlns:p="http://schemas.openxmlformats.org/presentationml/2006/main">
-  <p:cSld>
-    <p:spTree>
-      <p:nvGrpSpPr>
-        <p:cNvPr id="1" name=""/>
-        <p:cNvGrpSpPr/>
-        <p:nvPr/>
-      </p:nvGrpSpPr>
-      <p:grpSpPr>
-        <a:xfrm>
-          <a:off x="0" y="0"/>
-          <a:ext cx="0" cy="0"/>
-          <a:chOff x="0" y="0"/>
-          <a:chExt cx="0" cy="0"/>
-        </a:xfrm>
-      </p:grpSpPr>
-      <p:sp>
-        <p:nvSpPr>
-          <p:cNvPr id="2" name="Titel 1">
-            <a:extLst>
-              <a:ext uri="{FF2B5EF4-FFF2-40B4-BE49-F238E27FC236}">
-                <a16:creationId xmlns:a16="http://schemas.microsoft.com/office/drawing/2014/main" id="{5E93394A-CB66-4438-AE67-8BF44310C3CD}"/>
-              </a:ext>
-            </a:extLst>
-          </p:cNvPr>
-          <p:cNvSpPr>
-            <a:spLocks noGrp="1"/>
-          </p:cNvSpPr>
-          <p:nvPr>
-            <p:ph type="title"/>
-          </p:nvPr>
-        </p:nvSpPr>
-        <p:spPr>
-          <a:xfrm>
-            <a:off x="3599892" y="2926813"/>
-            <a:ext cx="1944216" cy="502187"/>
-          </a:xfrm>
-        </p:spPr>
-        <p:txBody>
-          <a:bodyPr/>
-          <a:lstStyle/>
-          <a:p>
-            <a:r>
-              <a:rPr lang="en-DE" dirty="0"/>
-              <a:t>Live Demo!</a:t>
-            </a:r>
-            <a:endParaRPr lang="de-DE" dirty="0"/>
-          </a:p>
-        </p:txBody>
-      </p:sp>
-      <p:sp>
-        <p:nvSpPr>
-          <p:cNvPr id="3" name="Foliennummernplatzhalter 2">
-            <a:extLst>
-              <a:ext uri="{FF2B5EF4-FFF2-40B4-BE49-F238E27FC236}">
-                <a16:creationId xmlns:a16="http://schemas.microsoft.com/office/drawing/2014/main" id="{E3E1E3D5-4DC3-462B-970F-A40B664704A8}"/>
-              </a:ext>
-            </a:extLst>
-          </p:cNvPr>
-          <p:cNvSpPr>
-            <a:spLocks noGrp="1"/>
-          </p:cNvSpPr>
-          <p:nvPr>
-            <p:ph type="sldNum" sz="quarter" idx="4"/>
-          </p:nvPr>
-        </p:nvSpPr>
-        <p:spPr/>
-        <p:txBody>
-          <a:bodyPr/>
-          <a:lstStyle/>
-          <a:p>
-            <a:pPr algn="l"/>
-            <a:fld id="{58B5944C-422B-400C-ACEC-079F06A0E4F8}" type="slidenum">
-              <a:rPr lang="de-DE" smtClean="0"/>
-              <a:pPr algn="l"/>
-              <a:t>7</a:t>
-            </a:fld>
-            <a:endParaRPr lang="de-DE" dirty="0"/>
-          </a:p>
-        </p:txBody>
-      </p:sp>
-      <p:sp>
-        <p:nvSpPr>
-          <p:cNvPr id="4" name="Fußzeilenplatzhalter 3">
-            <a:extLst>
-              <a:ext uri="{FF2B5EF4-FFF2-40B4-BE49-F238E27FC236}">
-                <a16:creationId xmlns:a16="http://schemas.microsoft.com/office/drawing/2014/main" id="{2CBF4AC1-0AD3-4C07-A15C-D204DC025CAE}"/>
-              </a:ext>
-            </a:extLst>
-          </p:cNvPr>
-          <p:cNvSpPr>
-            <a:spLocks noGrp="1"/>
-          </p:cNvSpPr>
-          <p:nvPr>
-            <p:ph type="ftr" sz="quarter" idx="3"/>
-          </p:nvPr>
-        </p:nvSpPr>
-        <p:spPr/>
-        <p:txBody>
-          <a:bodyPr/>
-          <a:lstStyle/>
-          <a:p>
-            <a:r>
-              <a:rPr lang="de-DE" b="0" i="0">
-                <a:effectLst/>
-                <a:latin typeface="Arial" panose="020B0604020202020204" pitchFamily="34" charset="0"/>
-              </a:rPr>
-              <a:t>Graphvio</a:t>
-            </a:r>
-            <a:endParaRPr lang="de-DE" dirty="0">
-              <a:solidFill>
-                <a:schemeClr val="bg1"/>
-              </a:solidFill>
-            </a:endParaRPr>
-          </a:p>
-        </p:txBody>
-      </p:sp>
-      <p:sp>
-        <p:nvSpPr>
-          <p:cNvPr id="5" name="Datumsplatzhalter 4">
-            <a:extLst>
-              <a:ext uri="{FF2B5EF4-FFF2-40B4-BE49-F238E27FC236}">
-                <a16:creationId xmlns:a16="http://schemas.microsoft.com/office/drawing/2014/main" id="{C114B6E0-57BA-4705-AB15-FB0F3CFAA2AA}"/>
-              </a:ext>
-            </a:extLst>
-          </p:cNvPr>
-          <p:cNvSpPr>
-            <a:spLocks noGrp="1"/>
-          </p:cNvSpPr>
-          <p:nvPr>
-            <p:ph type="dt" sz="half" idx="2"/>
-          </p:nvPr>
-        </p:nvSpPr>
-        <p:spPr/>
-        <p:txBody>
-          <a:bodyPr/>
-          <a:lstStyle/>
-          <a:p>
-            <a:r>
-              <a:rPr lang="en-DE"/>
-              <a:t>17.01.2022</a:t>
-            </a:r>
-            <a:endParaRPr lang="en-GB" dirty="0">
-              <a:solidFill>
-                <a:schemeClr val="bg1"/>
-              </a:solidFill>
-            </a:endParaRPr>
-          </a:p>
-        </p:txBody>
-      </p:sp>
-      <p:sp>
-        <p:nvSpPr>
-          <p:cNvPr id="7" name="Datumsplatzhalter 1">
-            <a:extLst>
-              <a:ext uri="{FF2B5EF4-FFF2-40B4-BE49-F238E27FC236}">
-                <a16:creationId xmlns:a16="http://schemas.microsoft.com/office/drawing/2014/main" id="{63B8EBF0-E3E8-4ED5-9FE2-9CBA0183C1FE}"/>
-              </a:ext>
-            </a:extLst>
-          </p:cNvPr>
-          <p:cNvSpPr txBox="1">
-            <a:spLocks/>
-          </p:cNvSpPr>
-          <p:nvPr/>
-        </p:nvSpPr>
-        <p:spPr>
-          <a:xfrm>
-            <a:off x="3563888" y="6513414"/>
-            <a:ext cx="2232248" cy="162000"/>
-          </a:xfrm>
-          <a:prstGeom prst="rect">
-            <a:avLst/>
-          </a:prstGeom>
-        </p:spPr>
-        <p:txBody>
-          <a:bodyPr vert="horz" wrap="none" lIns="91440" tIns="45720" rIns="91440" bIns="45720" rtlCol="0" anchor="ctr"/>
-          <a:lstStyle>
-            <a:defPPr>
-              <a:defRPr lang="de-DE"/>
-            </a:defPPr>
-            <a:lvl1pPr algn="l" rtl="0" fontAlgn="base">
-              <a:spcBef>
-                <a:spcPct val="0"/>
-              </a:spcBef>
-              <a:spcAft>
-                <a:spcPct val="0"/>
-              </a:spcAft>
-              <a:defRPr sz="900" b="0" kern="1200">
-                <a:solidFill>
-                  <a:schemeClr val="bg1"/>
-                </a:solidFill>
-                <a:latin typeface="+mn-lt"/>
-                <a:ea typeface="+mn-ea"/>
-                <a:cs typeface="+mn-cs"/>
-              </a:defRPr>
-            </a:lvl1pPr>
-            <a:lvl2pPr marL="457200" algn="l" rtl="0" fontAlgn="base">
-              <a:spcBef>
-                <a:spcPct val="0"/>
-              </a:spcBef>
-              <a:spcAft>
-                <a:spcPct val="0"/>
-              </a:spcAft>
-              <a:defRPr kern="1200">
-                <a:solidFill>
-                  <a:schemeClr val="tx1"/>
-                </a:solidFill>
-                <a:latin typeface="Arial" charset="0"/>
-                <a:ea typeface="+mn-ea"/>
-                <a:cs typeface="+mn-cs"/>
-              </a:defRPr>
-            </a:lvl2pPr>
-            <a:lvl3pPr marL="914400" algn="l" rtl="0" fontAlgn="base">
-              <a:spcBef>
-                <a:spcPct val="0"/>
-              </a:spcBef>
-              <a:spcAft>
-                <a:spcPct val="0"/>
-              </a:spcAft>
-              <a:defRPr kern="1200">
-                <a:solidFill>
-                  <a:schemeClr val="tx1"/>
-                </a:solidFill>
-                <a:latin typeface="Arial" charset="0"/>
-                <a:ea typeface="+mn-ea"/>
-                <a:cs typeface="+mn-cs"/>
-              </a:defRPr>
-            </a:lvl3pPr>
-            <a:lvl4pPr marL="1371600" algn="l" rtl="0" fontAlgn="base">
-              <a:spcBef>
-                <a:spcPct val="0"/>
-              </a:spcBef>
-              <a:spcAft>
-                <a:spcPct val="0"/>
-              </a:spcAft>
-              <a:defRPr kern="1200">
-                <a:solidFill>
-                  <a:schemeClr val="tx1"/>
-                </a:solidFill>
-                <a:latin typeface="Arial" charset="0"/>
-                <a:ea typeface="+mn-ea"/>
-                <a:cs typeface="+mn-cs"/>
-              </a:defRPr>
-            </a:lvl4pPr>
-            <a:lvl5pPr marL="1828800" algn="l" rtl="0" fontAlgn="base">
-              <a:spcBef>
-                <a:spcPct val="0"/>
-              </a:spcBef>
-              <a:spcAft>
-                <a:spcPct val="0"/>
-              </a:spcAft>
-              <a:defRPr kern="1200">
-                <a:solidFill>
-                  <a:schemeClr val="tx1"/>
-                </a:solidFill>
-                <a:latin typeface="Arial" charset="0"/>
-                <a:ea typeface="+mn-ea"/>
-                <a:cs typeface="+mn-cs"/>
-              </a:defRPr>
-            </a:lvl5pPr>
-            <a:lvl6pPr marL="2286000" algn="l" defTabSz="914400" rtl="0" eaLnBrk="1" latinLnBrk="0" hangingPunct="1">
-              <a:defRPr kern="1200">
-                <a:solidFill>
-                  <a:schemeClr val="tx1"/>
-                </a:solidFill>
-                <a:latin typeface="Arial" charset="0"/>
-                <a:ea typeface="+mn-ea"/>
-                <a:cs typeface="+mn-cs"/>
-              </a:defRPr>
-            </a:lvl6pPr>
-            <a:lvl7pPr marL="2743200" algn="l" defTabSz="914400" rtl="0" eaLnBrk="1" latinLnBrk="0" hangingPunct="1">
-              <a:defRPr kern="1200">
-                <a:solidFill>
-                  <a:schemeClr val="tx1"/>
-                </a:solidFill>
-                <a:latin typeface="Arial" charset="0"/>
-                <a:ea typeface="+mn-ea"/>
-                <a:cs typeface="+mn-cs"/>
-              </a:defRPr>
-            </a:lvl7pPr>
-            <a:lvl8pPr marL="3200400" algn="l" defTabSz="914400" rtl="0" eaLnBrk="1" latinLnBrk="0" hangingPunct="1">
-              <a:defRPr kern="1200">
-                <a:solidFill>
-                  <a:schemeClr val="tx1"/>
-                </a:solidFill>
-                <a:latin typeface="Arial" charset="0"/>
-                <a:ea typeface="+mn-ea"/>
-                <a:cs typeface="+mn-cs"/>
-              </a:defRPr>
-            </a:lvl8pPr>
-            <a:lvl9pPr marL="3657600" algn="l" defTabSz="914400" rtl="0" eaLnBrk="1" latinLnBrk="0" hangingPunct="1">
-              <a:defRPr kern="1200">
-                <a:solidFill>
-                  <a:schemeClr val="tx1"/>
-                </a:solidFill>
-                <a:latin typeface="Arial" charset="0"/>
-                <a:ea typeface="+mn-ea"/>
-                <a:cs typeface="+mn-cs"/>
-              </a:defRPr>
-            </a:lvl9pPr>
-          </a:lstStyle>
-          <a:p>
-            <a:r>
-              <a:rPr lang="de-DE" dirty="0"/>
-              <a:t>Halbritter</a:t>
-            </a:r>
-            <a:r>
-              <a:rPr lang="en-DE" dirty="0"/>
-              <a:t>,</a:t>
-            </a:r>
-            <a:r>
-              <a:rPr lang="de-DE" dirty="0"/>
-              <a:t> Kohl</a:t>
-            </a:r>
-            <a:r>
-              <a:rPr lang="en-DE" dirty="0"/>
-              <a:t>, </a:t>
-            </a:r>
-            <a:r>
-              <a:rPr lang="en-DE" dirty="0" err="1"/>
-              <a:t>Kreussel</a:t>
-            </a:r>
-            <a:r>
-              <a:rPr lang="en-DE" dirty="0"/>
-              <a:t>, </a:t>
-            </a:r>
-            <a:r>
-              <a:rPr lang="en-DE" dirty="0" err="1"/>
-              <a:t>Prettner</a:t>
-            </a:r>
-            <a:r>
-              <a:rPr lang="en-DE" dirty="0"/>
-              <a:t>, Ziegler</a:t>
-            </a:r>
-            <a:endParaRPr lang="de-DE" dirty="0"/>
-          </a:p>
-        </p:txBody>
-      </p:sp>
-    </p:spTree>
-    <p:extLst>
-      <p:ext uri="{BB962C8B-B14F-4D97-AF65-F5344CB8AC3E}">
-        <p14:creationId xmlns:p14="http://schemas.microsoft.com/office/powerpoint/2010/main" val="415745372"/>
+        <p14:creationId xmlns:p14="http://schemas.microsoft.com/office/powerpoint/2010/main" val="1628093038"/>
       </p:ext>
     </p:extLst>
   </p:cSld>
